--- a/pyWorks/자료/python_ppt/Python 14장. 데이터 분석 및 시각화2 .pptx
+++ b/pyWorks/자료/python_ppt/Python 14장. 데이터 분석 및 시각화2 .pptx
@@ -5,7 +5,7 @@
     <p:sldMasterId id="2147483648" r:id="rId1"/>
   </p:sldMasterIdLst>
   <p:notesMasterIdLst>
-    <p:notesMasterId r:id="rId36"/>
+    <p:notesMasterId r:id="rId49"/>
   </p:notesMasterIdLst>
   <p:sldIdLst>
     <p:sldId id="256" r:id="rId2"/>
@@ -42,6 +42,19 @@
     <p:sldId id="356" r:id="rId33"/>
     <p:sldId id="357" r:id="rId34"/>
     <p:sldId id="358" r:id="rId35"/>
+    <p:sldId id="359" r:id="rId36"/>
+    <p:sldId id="360" r:id="rId37"/>
+    <p:sldId id="361" r:id="rId38"/>
+    <p:sldId id="362" r:id="rId39"/>
+    <p:sldId id="363" r:id="rId40"/>
+    <p:sldId id="364" r:id="rId41"/>
+    <p:sldId id="365" r:id="rId42"/>
+    <p:sldId id="366" r:id="rId43"/>
+    <p:sldId id="367" r:id="rId44"/>
+    <p:sldId id="368" r:id="rId45"/>
+    <p:sldId id="369" r:id="rId46"/>
+    <p:sldId id="370" r:id="rId47"/>
+    <p:sldId id="371" r:id="rId48"/>
   </p:sldIdLst>
   <p:sldSz cx="9906000" cy="6858000" type="A4"/>
   <p:notesSz cx="6858000" cy="9144000"/>
@@ -241,7 +254,7 @@
           <a:p>
             <a:fld id="{7665CDAC-D627-4E87-877A-1B781DD4CADC}" type="datetimeFigureOut">
               <a:rPr lang="ko-KR" altLang="en-US" smtClean="0"/>
-              <a:t>2023-05-11</a:t>
+              <a:t>2023-05-12</a:t>
             </a:fld>
             <a:endParaRPr lang="ko-KR" altLang="en-US"/>
           </a:p>
@@ -653,7 +666,7 @@
           <a:p>
             <a:fld id="{C25BCFD5-C4DF-4EBC-B718-C69ED2FBDE6F}" type="datetime1">
               <a:rPr lang="ko-KR" altLang="en-US" smtClean="0"/>
-              <a:t>2023-05-11</a:t>
+              <a:t>2023-05-12</a:t>
             </a:fld>
             <a:endParaRPr lang="ko-KR" altLang="en-US"/>
           </a:p>
@@ -1097,7 +1110,7 @@
           <a:p>
             <a:fld id="{AB448CD7-D367-43D5-B461-ACE552E75063}" type="datetime1">
               <a:rPr lang="ko-KR" altLang="en-US" smtClean="0"/>
-              <a:t>2023-05-11</a:t>
+              <a:t>2023-05-12</a:t>
             </a:fld>
             <a:endParaRPr lang="ko-KR" altLang="en-US"/>
           </a:p>
@@ -1275,7 +1288,7 @@
           <a:p>
             <a:fld id="{B6E49E79-7361-4780-8BEF-7EDE3708298A}" type="datetime1">
               <a:rPr lang="ko-KR" altLang="en-US" smtClean="0"/>
-              <a:t>2023-05-11</a:t>
+              <a:t>2023-05-12</a:t>
             </a:fld>
             <a:endParaRPr lang="ko-KR" altLang="en-US"/>
           </a:p>
@@ -1447,7 +1460,7 @@
           <a:p>
             <a:fld id="{A4D42E3C-B70B-437C-85CF-1286301B9CBA}" type="datetime1">
               <a:rPr lang="ko-KR" altLang="en-US" smtClean="0"/>
-              <a:t>2023-05-11</a:t>
+              <a:t>2023-05-12</a:t>
             </a:fld>
             <a:endParaRPr lang="ko-KR" altLang="en-US"/>
           </a:p>
@@ -1692,7 +1705,7 @@
           <a:p>
             <a:fld id="{B3369A20-5B3D-4D98-A822-26B93D177A40}" type="datetime1">
               <a:rPr lang="ko-KR" altLang="en-US" smtClean="0"/>
-              <a:t>2023-05-11</a:t>
+              <a:t>2023-05-12</a:t>
             </a:fld>
             <a:endParaRPr lang="ko-KR" altLang="en-US"/>
           </a:p>
@@ -1977,7 +1990,7 @@
           <a:p>
             <a:fld id="{685CD4CE-9E43-4F70-A9D8-A2130CA7D92A}" type="datetime1">
               <a:rPr lang="ko-KR" altLang="en-US" smtClean="0"/>
-              <a:t>2023-05-11</a:t>
+              <a:t>2023-05-12</a:t>
             </a:fld>
             <a:endParaRPr lang="ko-KR" altLang="en-US"/>
           </a:p>
@@ -2396,7 +2409,7 @@
           <a:p>
             <a:fld id="{F752BD92-DA3E-4A0B-90C9-7DE5E15B6E96}" type="datetime1">
               <a:rPr lang="ko-KR" altLang="en-US" smtClean="0"/>
-              <a:t>2023-05-11</a:t>
+              <a:t>2023-05-12</a:t>
             </a:fld>
             <a:endParaRPr lang="ko-KR" altLang="en-US"/>
           </a:p>
@@ -2513,7 +2526,7 @@
           <a:p>
             <a:fld id="{8EA2B83A-F366-424E-B742-340ACF856BB5}" type="datetime1">
               <a:rPr lang="ko-KR" altLang="en-US" smtClean="0"/>
-              <a:t>2023-05-11</a:t>
+              <a:t>2023-05-12</a:t>
             </a:fld>
             <a:endParaRPr lang="ko-KR" altLang="en-US"/>
           </a:p>
@@ -2608,7 +2621,7 @@
           <a:p>
             <a:fld id="{9A49D68B-5DBD-48E9-A8D4-FCBC4B3DD9C6}" type="datetime1">
               <a:rPr lang="ko-KR" altLang="en-US" smtClean="0"/>
-              <a:t>2023-05-11</a:t>
+              <a:t>2023-05-12</a:t>
             </a:fld>
             <a:endParaRPr lang="ko-KR" altLang="en-US"/>
           </a:p>
@@ -2883,7 +2896,7 @@
           <a:p>
             <a:fld id="{4CAB534F-7D16-467B-9320-91F98915D181}" type="datetime1">
               <a:rPr lang="ko-KR" altLang="en-US" smtClean="0"/>
-              <a:t>2023-05-11</a:t>
+              <a:t>2023-05-12</a:t>
             </a:fld>
             <a:endParaRPr lang="ko-KR" altLang="en-US"/>
           </a:p>
@@ -3135,7 +3148,7 @@
           <a:p>
             <a:fld id="{A390A91F-2F8D-4486-A69D-D680F95444B0}" type="datetime1">
               <a:rPr lang="ko-KR" altLang="en-US" smtClean="0"/>
-              <a:t>2023-05-11</a:t>
+              <a:t>2023-05-12</a:t>
             </a:fld>
             <a:endParaRPr lang="ko-KR" altLang="en-US"/>
           </a:p>
@@ -3314,7 +3327,7 @@
           <a:p>
             <a:fld id="{2238BBEA-E8DD-414A-BF68-FC2AFA7CFF2D}" type="datetime1">
               <a:rPr lang="ko-KR" altLang="en-US" smtClean="0"/>
-              <a:t>2023-05-11</a:t>
+              <a:t>2023-05-12</a:t>
             </a:fld>
             <a:endParaRPr lang="ko-KR" altLang="en-US"/>
           </a:p>
@@ -5386,11 +5399,7 @@
             </a:r>
             <a:r>
               <a:rPr lang="ko-KR" altLang="en-US" sz="2800" dirty="0" smtClean="0"/>
-              <a:t>인구</a:t>
-            </a:r>
-            <a:r>
-              <a:rPr lang="ko-KR" altLang="en-US" sz="2800" dirty="0" smtClean="0"/>
-              <a:t> 데이터 분석</a:t>
+              <a:t>인구 데이터 분석</a:t>
             </a:r>
             <a:endParaRPr lang="ko-KR" altLang="en-US" sz="2800" dirty="0"/>
           </a:p>
@@ -5497,13 +5506,7 @@
               <a:rPr lang="en-US" altLang="ko-KR" dirty="0" smtClean="0">
                 <a:ea typeface="돋움" panose="020B0600000101010101" pitchFamily="50" charset="-127"/>
               </a:rPr>
-              <a:t> </a:t>
-            </a:r>
-            <a:r>
-              <a:rPr lang="en-US" altLang="ko-KR" dirty="0" smtClean="0">
-                <a:ea typeface="돋움" panose="020B0600000101010101" pitchFamily="50" charset="-127"/>
-              </a:rPr>
-              <a:t>    </a:t>
+              <a:t>     </a:t>
             </a:r>
             <a:r>
               <a:rPr lang="ko-KR" altLang="en-US" b="1" dirty="0" smtClean="0">
@@ -5811,11 +5814,7 @@
             </a:r>
             <a:r>
               <a:rPr lang="ko-KR" altLang="en-US" sz="2800" dirty="0" smtClean="0"/>
-              <a:t>인구</a:t>
-            </a:r>
-            <a:r>
-              <a:rPr lang="ko-KR" altLang="en-US" sz="2800" dirty="0" smtClean="0"/>
-              <a:t> 데이터 분석</a:t>
+              <a:t>인구 데이터 분석</a:t>
             </a:r>
             <a:endParaRPr lang="ko-KR" altLang="en-US" sz="2800" dirty="0"/>
           </a:p>
@@ -6004,11 +6003,7 @@
             </a:r>
             <a:r>
               <a:rPr lang="ko-KR" altLang="en-US" sz="2800" dirty="0" smtClean="0"/>
-              <a:t>인구</a:t>
-            </a:r>
-            <a:r>
-              <a:rPr lang="ko-KR" altLang="en-US" sz="2800" dirty="0" smtClean="0"/>
-              <a:t> 데이터 분석</a:t>
+              <a:t>인구 데이터 분석</a:t>
             </a:r>
             <a:endParaRPr lang="ko-KR" altLang="en-US" sz="2800" dirty="0"/>
           </a:p>
@@ -6190,11 +6185,7 @@
             </a:r>
             <a:r>
               <a:rPr lang="ko-KR" altLang="en-US" sz="2800" dirty="0" smtClean="0"/>
-              <a:t>인구</a:t>
-            </a:r>
-            <a:r>
-              <a:rPr lang="ko-KR" altLang="en-US" sz="2800" dirty="0" smtClean="0"/>
-              <a:t> 데이터 분석</a:t>
+              <a:t>인구 데이터 분석</a:t>
             </a:r>
             <a:endParaRPr lang="ko-KR" altLang="en-US" sz="2800" dirty="0"/>
           </a:p>
@@ -6490,13 +6481,7 @@
               <a:rPr lang="en-US" altLang="ko-KR" dirty="0" smtClean="0">
                 <a:ea typeface="돋움" panose="020B0600000101010101" pitchFamily="50" charset="-127"/>
               </a:rPr>
-              <a:t> </a:t>
-            </a:r>
-            <a:r>
-              <a:rPr lang="en-US" altLang="ko-KR" dirty="0" smtClean="0">
-                <a:ea typeface="돋움" panose="020B0600000101010101" pitchFamily="50" charset="-127"/>
-              </a:rPr>
-              <a:t>    </a:t>
+              <a:t>     </a:t>
             </a:r>
             <a:r>
               <a:rPr lang="ko-KR" altLang="en-US" dirty="0" smtClean="0">
@@ -6649,11 +6634,7 @@
             </a:r>
             <a:r>
               <a:rPr lang="ko-KR" altLang="en-US" sz="2800" dirty="0" smtClean="0"/>
-              <a:t>인구</a:t>
-            </a:r>
-            <a:r>
-              <a:rPr lang="ko-KR" altLang="en-US" sz="2800" dirty="0" smtClean="0"/>
-              <a:t> 데이터 분석</a:t>
+              <a:t>인구 데이터 분석</a:t>
             </a:r>
             <a:endParaRPr lang="ko-KR" altLang="en-US" sz="2800" dirty="0"/>
           </a:p>
@@ -6909,11 +6890,7 @@
             </a:r>
             <a:r>
               <a:rPr lang="ko-KR" altLang="en-US" sz="2800" dirty="0" smtClean="0"/>
-              <a:t>인구</a:t>
-            </a:r>
-            <a:r>
-              <a:rPr lang="ko-KR" altLang="en-US" sz="2800" dirty="0" smtClean="0"/>
-              <a:t> 데이터 분석</a:t>
+              <a:t>인구 데이터 분석</a:t>
             </a:r>
             <a:endParaRPr lang="ko-KR" altLang="en-US" sz="2800" dirty="0"/>
           </a:p>
@@ -7096,11 +7073,7 @@
             </a:r>
             <a:r>
               <a:rPr lang="ko-KR" altLang="en-US" sz="2800" dirty="0" smtClean="0"/>
-              <a:t>인구</a:t>
-            </a:r>
-            <a:r>
-              <a:rPr lang="ko-KR" altLang="en-US" sz="2800" dirty="0" smtClean="0"/>
-              <a:t> 데이터 분석</a:t>
+              <a:t>인구 데이터 분석</a:t>
             </a:r>
             <a:endParaRPr lang="ko-KR" altLang="en-US" sz="2800" dirty="0"/>
           </a:p>
@@ -7334,11 +7307,7 @@
             </a:r>
             <a:r>
               <a:rPr lang="ko-KR" altLang="en-US" sz="2800" dirty="0" smtClean="0"/>
-              <a:t>인구</a:t>
-            </a:r>
-            <a:r>
-              <a:rPr lang="ko-KR" altLang="en-US" sz="2800" dirty="0" smtClean="0"/>
-              <a:t> 데이터 분석</a:t>
+              <a:t>인구 데이터 분석</a:t>
             </a:r>
             <a:endParaRPr lang="ko-KR" altLang="en-US" sz="2800" dirty="0"/>
           </a:p>
@@ -7533,11 +7502,7 @@
             </a:r>
             <a:r>
               <a:rPr lang="ko-KR" altLang="en-US" sz="2800" dirty="0" smtClean="0"/>
-              <a:t>인구</a:t>
-            </a:r>
-            <a:r>
-              <a:rPr lang="ko-KR" altLang="en-US" sz="2800" dirty="0" smtClean="0"/>
-              <a:t> 데이터 성별 분석</a:t>
+              <a:t>인구 데이터 성별 분석</a:t>
             </a:r>
             <a:endParaRPr lang="ko-KR" altLang="en-US" sz="2800" dirty="0"/>
           </a:p>
@@ -7644,13 +7609,7 @@
               <a:rPr lang="en-US" altLang="ko-KR" dirty="0" smtClean="0">
                 <a:ea typeface="돋움" panose="020B0600000101010101" pitchFamily="50" charset="-127"/>
               </a:rPr>
-              <a:t> </a:t>
-            </a:r>
-            <a:r>
-              <a:rPr lang="en-US" altLang="ko-KR" dirty="0" smtClean="0">
-                <a:ea typeface="돋움" panose="020B0600000101010101" pitchFamily="50" charset="-127"/>
-              </a:rPr>
-              <a:t>    </a:t>
+              <a:t>     </a:t>
             </a:r>
             <a:r>
               <a:rPr lang="ko-KR" altLang="en-US" b="1" dirty="0" smtClean="0">
@@ -7949,11 +7908,7 @@
             </a:r>
             <a:r>
               <a:rPr lang="ko-KR" altLang="en-US" sz="2800" dirty="0" smtClean="0"/>
-              <a:t>인구</a:t>
-            </a:r>
-            <a:r>
-              <a:rPr lang="ko-KR" altLang="en-US" sz="2800" dirty="0" smtClean="0"/>
-              <a:t> 데이터 성별 분석</a:t>
+              <a:t>인구 데이터 성별 분석</a:t>
             </a:r>
             <a:endParaRPr lang="ko-KR" altLang="en-US" sz="2800" dirty="0"/>
           </a:p>
@@ -8179,11 +8134,7 @@
             </a:r>
             <a:r>
               <a:rPr lang="ko-KR" altLang="en-US" sz="2800" dirty="0" smtClean="0"/>
-              <a:t>인구</a:t>
-            </a:r>
-            <a:r>
-              <a:rPr lang="ko-KR" altLang="en-US" sz="2800" dirty="0" smtClean="0"/>
-              <a:t> 데이터 성별 분석</a:t>
+              <a:t>인구 데이터 성별 분석</a:t>
             </a:r>
             <a:endParaRPr lang="ko-KR" altLang="en-US" sz="2800" dirty="0"/>
           </a:p>
@@ -8263,9 +8214,6 @@
               </a:rPr>
               <a:t>gender.csv</a:t>
             </a:r>
-            <a:endParaRPr lang="en-US" altLang="ko-KR" sz="2000" dirty="0">
-              <a:ea typeface="돋움" panose="020B0600000101010101" pitchFamily="50" charset="-127"/>
-            </a:endParaRPr>
           </a:p>
         </p:txBody>
       </p:sp>
@@ -8403,11 +8351,7 @@
             </a:r>
             <a:r>
               <a:rPr lang="ko-KR" altLang="en-US" sz="2800" dirty="0" smtClean="0"/>
-              <a:t>인구</a:t>
-            </a:r>
-            <a:r>
-              <a:rPr lang="ko-KR" altLang="en-US" sz="2800" dirty="0" smtClean="0"/>
-              <a:t> 데이터 성별 분석</a:t>
+              <a:t>인구 데이터 성별 분석</a:t>
             </a:r>
             <a:endParaRPr lang="ko-KR" altLang="en-US" sz="2800" dirty="0"/>
           </a:p>
@@ -8593,11 +8537,7 @@
             </a:r>
             <a:r>
               <a:rPr lang="ko-KR" altLang="en-US" sz="2800" dirty="0" smtClean="0"/>
-              <a:t>인구</a:t>
-            </a:r>
-            <a:r>
-              <a:rPr lang="ko-KR" altLang="en-US" sz="2800" dirty="0" smtClean="0"/>
-              <a:t> 데이터 성별 분석</a:t>
+              <a:t>인구 데이터 성별 분석</a:t>
             </a:r>
             <a:endParaRPr lang="ko-KR" altLang="en-US" sz="2800" dirty="0"/>
           </a:p>
@@ -8783,11 +8723,7 @@
             </a:r>
             <a:r>
               <a:rPr lang="ko-KR" altLang="en-US" sz="2800" dirty="0" smtClean="0"/>
-              <a:t>인구</a:t>
-            </a:r>
-            <a:r>
-              <a:rPr lang="ko-KR" altLang="en-US" sz="2800" dirty="0" smtClean="0"/>
-              <a:t> 데이터 성별 분석</a:t>
+              <a:t>인구 데이터 성별 분석</a:t>
             </a:r>
             <a:endParaRPr lang="ko-KR" altLang="en-US" sz="2800" dirty="0"/>
           </a:p>
@@ -9073,13 +9009,7 @@
               <a:rPr lang="en-US" altLang="ko-KR" dirty="0" smtClean="0">
                 <a:ea typeface="돋움" panose="020B0600000101010101" pitchFamily="50" charset="-127"/>
               </a:rPr>
-              <a:t> </a:t>
-            </a:r>
-            <a:r>
-              <a:rPr lang="en-US" altLang="ko-KR" dirty="0" smtClean="0">
-                <a:ea typeface="돋움" panose="020B0600000101010101" pitchFamily="50" charset="-127"/>
-              </a:rPr>
-              <a:t>    - </a:t>
+              <a:t>     - </a:t>
             </a:r>
             <a:r>
               <a:rPr lang="en-US" altLang="ko-KR" dirty="0" err="1" smtClean="0">
@@ -9214,11 +9144,7 @@
             </a:r>
             <a:r>
               <a:rPr lang="ko-KR" altLang="en-US" sz="2800" dirty="0" smtClean="0"/>
-              <a:t>인구</a:t>
-            </a:r>
-            <a:r>
-              <a:rPr lang="ko-KR" altLang="en-US" sz="2800" dirty="0" smtClean="0"/>
-              <a:t> 데이터 성별 분석</a:t>
+              <a:t>인구 데이터 성별 분석</a:t>
             </a:r>
             <a:endParaRPr lang="ko-KR" altLang="en-US" sz="2800" dirty="0"/>
           </a:p>
@@ -9404,11 +9330,7 @@
             </a:r>
             <a:r>
               <a:rPr lang="ko-KR" altLang="en-US" sz="2800" dirty="0" smtClean="0"/>
-              <a:t>인구</a:t>
-            </a:r>
-            <a:r>
-              <a:rPr lang="ko-KR" altLang="en-US" sz="2800" dirty="0" smtClean="0"/>
-              <a:t> 데이터 성별 분석</a:t>
+              <a:t>인구 데이터 성별 분석</a:t>
             </a:r>
             <a:endParaRPr lang="ko-KR" altLang="en-US" sz="2800" dirty="0"/>
           </a:p>
@@ -9594,11 +9516,7 @@
             </a:r>
             <a:r>
               <a:rPr lang="ko-KR" altLang="en-US" sz="2800" dirty="0" smtClean="0"/>
-              <a:t>인구</a:t>
-            </a:r>
-            <a:r>
-              <a:rPr lang="ko-KR" altLang="en-US" sz="2800" dirty="0" smtClean="0"/>
-              <a:t> 데이터 성별 분석</a:t>
+              <a:t>인구 데이터 성별 분석</a:t>
             </a:r>
             <a:endParaRPr lang="ko-KR" altLang="en-US" sz="2800" dirty="0"/>
           </a:p>
@@ -9814,11 +9732,7 @@
             </a:r>
             <a:r>
               <a:rPr lang="ko-KR" altLang="en-US" sz="2800" dirty="0" smtClean="0"/>
-              <a:t>인구</a:t>
-            </a:r>
-            <a:r>
-              <a:rPr lang="ko-KR" altLang="en-US" sz="2800" dirty="0" smtClean="0"/>
-              <a:t> 데이터 성별 분석</a:t>
+              <a:t>인구 데이터 성별 분석</a:t>
             </a:r>
             <a:endParaRPr lang="ko-KR" altLang="en-US" sz="2800" dirty="0"/>
           </a:p>
@@ -10004,11 +9918,7 @@
             </a:r>
             <a:r>
               <a:rPr lang="ko-KR" altLang="en-US" sz="2800" dirty="0" smtClean="0"/>
-              <a:t>인구</a:t>
-            </a:r>
-            <a:r>
-              <a:rPr lang="ko-KR" altLang="en-US" sz="2800" dirty="0" smtClean="0"/>
-              <a:t> 데이터 성별 분석</a:t>
+              <a:t>인구 데이터 성별 분석</a:t>
             </a:r>
             <a:endParaRPr lang="ko-KR" altLang="en-US" sz="2800" dirty="0"/>
           </a:p>
@@ -10154,6 +10064,1427 @@
 </p:sld>
 </file>
 
+<file path=ppt/slides/slide35.xml><?xml version="1.0" encoding="utf-8"?>
+<p:sld xmlns:a="http://schemas.openxmlformats.org/drawingml/2006/main" xmlns:r="http://schemas.openxmlformats.org/officeDocument/2006/relationships" xmlns:p="http://schemas.openxmlformats.org/presentationml/2006/main">
+  <p:cSld>
+    <p:spTree>
+      <p:nvGrpSpPr>
+        <p:cNvPr id="1" name=""/>
+        <p:cNvGrpSpPr/>
+        <p:nvPr/>
+      </p:nvGrpSpPr>
+      <p:grpSpPr>
+        <a:xfrm>
+          <a:off x="0" y="0"/>
+          <a:ext cx="0" cy="0"/>
+          <a:chOff x="0" y="0"/>
+          <a:chExt cx="0" cy="0"/>
+        </a:xfrm>
+      </p:grpSpPr>
+      <p:sp>
+        <p:nvSpPr>
+          <p:cNvPr id="2" name="제목 1"/>
+          <p:cNvSpPr>
+            <a:spLocks noGrp="1"/>
+          </p:cNvSpPr>
+          <p:nvPr>
+            <p:ph type="title"/>
+          </p:nvPr>
+        </p:nvSpPr>
+        <p:spPr/>
+        <p:txBody>
+          <a:bodyPr>
+            <a:normAutofit/>
+          </a:bodyPr>
+          <a:lstStyle/>
+          <a:p>
+            <a:r>
+              <a:rPr lang="en-US" altLang="ko-KR" sz="2800" dirty="0"/>
+              <a:t> </a:t>
+            </a:r>
+            <a:r>
+              <a:rPr lang="ko-KR" altLang="en-US" sz="2800" dirty="0" smtClean="0"/>
+              <a:t>네이버 </a:t>
+            </a:r>
+            <a:r>
+              <a:rPr lang="en-US" altLang="ko-KR" sz="2800" dirty="0" smtClean="0"/>
+              <a:t>API </a:t>
+            </a:r>
+            <a:r>
+              <a:rPr lang="ko-KR" altLang="en-US" sz="2800" dirty="0" smtClean="0"/>
+              <a:t>사용해보기</a:t>
+            </a:r>
+            <a:endParaRPr lang="ko-KR" altLang="en-US" sz="2800" dirty="0"/>
+          </a:p>
+        </p:txBody>
+      </p:sp>
+      <p:sp>
+        <p:nvSpPr>
+          <p:cNvPr id="4" name="슬라이드 번호 개체 틀 3"/>
+          <p:cNvSpPr>
+            <a:spLocks noGrp="1"/>
+          </p:cNvSpPr>
+          <p:nvPr>
+            <p:ph type="sldNum" sz="quarter" idx="12"/>
+          </p:nvPr>
+        </p:nvSpPr>
+        <p:spPr/>
+        <p:txBody>
+          <a:bodyPr/>
+          <a:lstStyle/>
+          <a:p>
+            <a:fld id="{1BDE3FE7-3AEA-4B05-AC5A-802D1816ACF0}" type="slidenum">
+              <a:rPr lang="ko-KR" altLang="en-US" smtClean="0"/>
+              <a:t>35</a:t>
+            </a:fld>
+            <a:endParaRPr lang="ko-KR" altLang="en-US"/>
+          </a:p>
+        </p:txBody>
+      </p:sp>
+      <p:sp>
+        <p:nvSpPr>
+          <p:cNvPr id="8" name="TextBox 7"/>
+          <p:cNvSpPr txBox="1"/>
+          <p:nvPr/>
+        </p:nvSpPr>
+        <p:spPr>
+          <a:xfrm>
+            <a:off x="992560" y="1268467"/>
+            <a:ext cx="7860873" cy="494494"/>
+          </a:xfrm>
+          <a:prstGeom prst="rect">
+            <a:avLst/>
+          </a:prstGeom>
+          <a:ln w="9525">
+            <a:noFill/>
+          </a:ln>
+        </p:spPr>
+        <p:style>
+          <a:lnRef idx="2">
+            <a:schemeClr val="dk1"/>
+          </a:lnRef>
+          <a:fillRef idx="1">
+            <a:schemeClr val="lt1"/>
+          </a:fillRef>
+          <a:effectRef idx="0">
+            <a:schemeClr val="dk1"/>
+          </a:effectRef>
+          <a:fontRef idx="minor">
+            <a:schemeClr val="dk1"/>
+          </a:fontRef>
+        </p:style>
+        <p:txBody>
+          <a:bodyPr wrap="square" rtlCol="0">
+            <a:spAutoFit/>
+          </a:bodyPr>
+          <a:lstStyle/>
+          <a:p>
+            <a:pPr marL="342900" indent="-342900">
+              <a:lnSpc>
+                <a:spcPct val="150000"/>
+              </a:lnSpc>
+              <a:buFont typeface="Wingdings" panose="05000000000000000000" pitchFamily="2" charset="2"/>
+              <a:buChar char="l"/>
+            </a:pPr>
+            <a:r>
+              <a:rPr lang="en-US" altLang="ko-KR" sz="2000" dirty="0" smtClean="0">
+                <a:latin typeface="+mn-ea"/>
+              </a:rPr>
+              <a:t>NAVER </a:t>
+            </a:r>
+            <a:r>
+              <a:rPr lang="ko-KR" altLang="en-US" sz="2000" dirty="0" smtClean="0">
+                <a:latin typeface="+mn-ea"/>
+              </a:rPr>
+              <a:t>개발자 센터에서 애플리케이션 등록</a:t>
+            </a:r>
+            <a:endParaRPr lang="en-US" altLang="ko-KR" dirty="0" smtClean="0">
+              <a:solidFill>
+                <a:srgbClr val="C00000"/>
+              </a:solidFill>
+              <a:latin typeface="+mn-ea"/>
+            </a:endParaRPr>
+          </a:p>
+        </p:txBody>
+      </p:sp>
+      <p:sp>
+        <p:nvSpPr>
+          <p:cNvPr id="5" name="TextBox 4"/>
+          <p:cNvSpPr txBox="1"/>
+          <p:nvPr/>
+        </p:nvSpPr>
+        <p:spPr>
+          <a:xfrm>
+            <a:off x="1280592" y="1916832"/>
+            <a:ext cx="6408712" cy="369332"/>
+          </a:xfrm>
+          <a:prstGeom prst="rect">
+            <a:avLst/>
+          </a:prstGeom>
+          <a:noFill/>
+        </p:spPr>
+        <p:txBody>
+          <a:bodyPr wrap="square" rtlCol="0">
+            <a:spAutoFit/>
+          </a:bodyPr>
+          <a:lstStyle/>
+          <a:p>
+            <a:r>
+              <a:rPr lang="ko-KR" altLang="en-US" dirty="0" smtClean="0">
+                <a:solidFill>
+                  <a:srgbClr val="7030A0"/>
+                </a:solidFill>
+              </a:rPr>
+              <a:t>네이버 개발자 센터 검색</a:t>
+            </a:r>
+            <a:r>
+              <a:rPr lang="en-US" altLang="ko-KR" dirty="0" smtClean="0">
+                <a:solidFill>
+                  <a:srgbClr val="7030A0"/>
+                </a:solidFill>
+              </a:rPr>
+              <a:t>&gt; </a:t>
+            </a:r>
+            <a:r>
+              <a:rPr lang="ko-KR" altLang="en-US" dirty="0" smtClean="0">
+                <a:solidFill>
+                  <a:srgbClr val="7030A0"/>
+                </a:solidFill>
+              </a:rPr>
+              <a:t>서비스</a:t>
+            </a:r>
+            <a:r>
+              <a:rPr lang="en-US" altLang="ko-KR" dirty="0">
+                <a:solidFill>
+                  <a:srgbClr val="7030A0"/>
+                </a:solidFill>
+              </a:rPr>
+              <a:t> </a:t>
+            </a:r>
+            <a:r>
+              <a:rPr lang="en-US" altLang="ko-KR" dirty="0" smtClean="0">
+                <a:solidFill>
+                  <a:srgbClr val="7030A0"/>
+                </a:solidFill>
+              </a:rPr>
+              <a:t>API &gt; </a:t>
+            </a:r>
+            <a:r>
+              <a:rPr lang="ko-KR" altLang="en-US" dirty="0" smtClean="0">
+                <a:solidFill>
+                  <a:srgbClr val="7030A0"/>
+                </a:solidFill>
+              </a:rPr>
+              <a:t>오픈 </a:t>
+            </a:r>
+            <a:r>
+              <a:rPr lang="en-US" altLang="ko-KR" dirty="0" smtClean="0">
+                <a:solidFill>
+                  <a:srgbClr val="7030A0"/>
+                </a:solidFill>
+              </a:rPr>
+              <a:t>API </a:t>
+            </a:r>
+            <a:r>
+              <a:rPr lang="ko-KR" altLang="en-US" dirty="0" smtClean="0">
+                <a:solidFill>
+                  <a:srgbClr val="7030A0"/>
+                </a:solidFill>
+              </a:rPr>
+              <a:t>이용신청</a:t>
+            </a:r>
+            <a:r>
+              <a:rPr lang="en-US" altLang="ko-KR" dirty="0" smtClean="0">
+                <a:solidFill>
+                  <a:srgbClr val="7030A0"/>
+                </a:solidFill>
+              </a:rPr>
+              <a:t> </a:t>
+            </a:r>
+            <a:endParaRPr lang="ko-KR" altLang="en-US" dirty="0">
+              <a:solidFill>
+                <a:srgbClr val="7030A0"/>
+              </a:solidFill>
+            </a:endParaRPr>
+          </a:p>
+        </p:txBody>
+      </p:sp>
+      <p:pic>
+        <p:nvPicPr>
+          <p:cNvPr id="7" name="그림 6"/>
+          <p:cNvPicPr>
+            <a:picLocks noChangeAspect="1"/>
+          </p:cNvPicPr>
+          <p:nvPr/>
+        </p:nvPicPr>
+        <p:blipFill>
+          <a:blip r:embed="rId2">
+            <a:extLst>
+              <a:ext uri="{28A0092B-C50C-407E-A947-70E740481C1C}">
+                <a14:useLocalDpi xmlns:a14="http://schemas.microsoft.com/office/drawing/2010/main" val="0"/>
+              </a:ext>
+            </a:extLst>
+          </a:blip>
+          <a:stretch>
+            <a:fillRect/>
+          </a:stretch>
+        </p:blipFill>
+        <p:spPr>
+          <a:xfrm>
+            <a:off x="1576416" y="2564904"/>
+            <a:ext cx="5817064" cy="3569077"/>
+          </a:xfrm>
+          <a:prstGeom prst="rect">
+            <a:avLst/>
+          </a:prstGeom>
+        </p:spPr>
+      </p:pic>
+    </p:spTree>
+    <p:extLst>
+      <p:ext uri="{BB962C8B-B14F-4D97-AF65-F5344CB8AC3E}">
+        <p14:creationId xmlns:p14="http://schemas.microsoft.com/office/powerpoint/2010/main" val="1523700373"/>
+      </p:ext>
+    </p:extLst>
+  </p:cSld>
+  <p:clrMapOvr>
+    <a:masterClrMapping/>
+  </p:clrMapOvr>
+  <p:timing>
+    <p:tnLst>
+      <p:par>
+        <p:cTn id="1" dur="indefinite" restart="never" nodeType="tmRoot"/>
+      </p:par>
+    </p:tnLst>
+  </p:timing>
+</p:sld>
+</file>
+
+<file path=ppt/slides/slide36.xml><?xml version="1.0" encoding="utf-8"?>
+<p:sld xmlns:a="http://schemas.openxmlformats.org/drawingml/2006/main" xmlns:r="http://schemas.openxmlformats.org/officeDocument/2006/relationships" xmlns:p="http://schemas.openxmlformats.org/presentationml/2006/main">
+  <p:cSld>
+    <p:spTree>
+      <p:nvGrpSpPr>
+        <p:cNvPr id="1" name=""/>
+        <p:cNvGrpSpPr/>
+        <p:nvPr/>
+      </p:nvGrpSpPr>
+      <p:grpSpPr>
+        <a:xfrm>
+          <a:off x="0" y="0"/>
+          <a:ext cx="0" cy="0"/>
+          <a:chOff x="0" y="0"/>
+          <a:chExt cx="0" cy="0"/>
+        </a:xfrm>
+      </p:grpSpPr>
+      <p:sp>
+        <p:nvSpPr>
+          <p:cNvPr id="2" name="제목 1"/>
+          <p:cNvSpPr>
+            <a:spLocks noGrp="1"/>
+          </p:cNvSpPr>
+          <p:nvPr>
+            <p:ph type="title"/>
+          </p:nvPr>
+        </p:nvSpPr>
+        <p:spPr/>
+        <p:txBody>
+          <a:bodyPr>
+            <a:normAutofit/>
+          </a:bodyPr>
+          <a:lstStyle/>
+          <a:p>
+            <a:r>
+              <a:rPr lang="en-US" altLang="ko-KR" sz="2800" dirty="0"/>
+              <a:t> </a:t>
+            </a:r>
+            <a:r>
+              <a:rPr lang="ko-KR" altLang="en-US" sz="2800" dirty="0" smtClean="0"/>
+              <a:t>네이버 </a:t>
+            </a:r>
+            <a:r>
+              <a:rPr lang="en-US" altLang="ko-KR" sz="2800" dirty="0" smtClean="0"/>
+              <a:t>API </a:t>
+            </a:r>
+            <a:r>
+              <a:rPr lang="ko-KR" altLang="en-US" sz="2800" dirty="0" smtClean="0"/>
+              <a:t>사용해보기</a:t>
+            </a:r>
+            <a:endParaRPr lang="ko-KR" altLang="en-US" sz="2800" dirty="0"/>
+          </a:p>
+        </p:txBody>
+      </p:sp>
+      <p:sp>
+        <p:nvSpPr>
+          <p:cNvPr id="4" name="슬라이드 번호 개체 틀 3"/>
+          <p:cNvSpPr>
+            <a:spLocks noGrp="1"/>
+          </p:cNvSpPr>
+          <p:nvPr>
+            <p:ph type="sldNum" sz="quarter" idx="12"/>
+          </p:nvPr>
+        </p:nvSpPr>
+        <p:spPr/>
+        <p:txBody>
+          <a:bodyPr/>
+          <a:lstStyle/>
+          <a:p>
+            <a:fld id="{1BDE3FE7-3AEA-4B05-AC5A-802D1816ACF0}" type="slidenum">
+              <a:rPr lang="ko-KR" altLang="en-US" smtClean="0"/>
+              <a:t>36</a:t>
+            </a:fld>
+            <a:endParaRPr lang="ko-KR" altLang="en-US"/>
+          </a:p>
+        </p:txBody>
+      </p:sp>
+      <p:sp>
+        <p:nvSpPr>
+          <p:cNvPr id="8" name="TextBox 7"/>
+          <p:cNvSpPr txBox="1"/>
+          <p:nvPr/>
+        </p:nvSpPr>
+        <p:spPr>
+          <a:xfrm>
+            <a:off x="992560" y="1268467"/>
+            <a:ext cx="7860873" cy="494494"/>
+          </a:xfrm>
+          <a:prstGeom prst="rect">
+            <a:avLst/>
+          </a:prstGeom>
+          <a:ln w="9525">
+            <a:noFill/>
+          </a:ln>
+        </p:spPr>
+        <p:style>
+          <a:lnRef idx="2">
+            <a:schemeClr val="dk1"/>
+          </a:lnRef>
+          <a:fillRef idx="1">
+            <a:schemeClr val="lt1"/>
+          </a:fillRef>
+          <a:effectRef idx="0">
+            <a:schemeClr val="dk1"/>
+          </a:effectRef>
+          <a:fontRef idx="minor">
+            <a:schemeClr val="dk1"/>
+          </a:fontRef>
+        </p:style>
+        <p:txBody>
+          <a:bodyPr wrap="square" rtlCol="0">
+            <a:spAutoFit/>
+          </a:bodyPr>
+          <a:lstStyle/>
+          <a:p>
+            <a:pPr marL="342900" indent="-342900">
+              <a:lnSpc>
+                <a:spcPct val="150000"/>
+              </a:lnSpc>
+              <a:buFont typeface="Wingdings" panose="05000000000000000000" pitchFamily="2" charset="2"/>
+              <a:buChar char="l"/>
+            </a:pPr>
+            <a:r>
+              <a:rPr lang="en-US" altLang="ko-KR" sz="2000" dirty="0" smtClean="0">
+                <a:latin typeface="+mn-ea"/>
+              </a:rPr>
+              <a:t>NAVER </a:t>
+            </a:r>
+            <a:r>
+              <a:rPr lang="ko-KR" altLang="en-US" sz="2000" dirty="0" smtClean="0">
+                <a:latin typeface="+mn-ea"/>
+              </a:rPr>
+              <a:t>개발자 센터에서 애플리케이션 등록</a:t>
+            </a:r>
+            <a:endParaRPr lang="en-US" altLang="ko-KR" dirty="0" smtClean="0">
+              <a:solidFill>
+                <a:srgbClr val="C00000"/>
+              </a:solidFill>
+              <a:latin typeface="+mn-ea"/>
+            </a:endParaRPr>
+          </a:p>
+        </p:txBody>
+      </p:sp>
+      <p:pic>
+        <p:nvPicPr>
+          <p:cNvPr id="3" name="그림 2"/>
+          <p:cNvPicPr>
+            <a:picLocks noChangeAspect="1"/>
+          </p:cNvPicPr>
+          <p:nvPr/>
+        </p:nvPicPr>
+        <p:blipFill>
+          <a:blip r:embed="rId2">
+            <a:extLst>
+              <a:ext uri="{28A0092B-C50C-407E-A947-70E740481C1C}">
+                <a14:useLocalDpi xmlns:a14="http://schemas.microsoft.com/office/drawing/2010/main" val="0"/>
+              </a:ext>
+            </a:extLst>
+          </a:blip>
+          <a:stretch>
+            <a:fillRect/>
+          </a:stretch>
+        </p:blipFill>
+        <p:spPr>
+          <a:xfrm>
+            <a:off x="1496616" y="2492896"/>
+            <a:ext cx="6253613" cy="3874332"/>
+          </a:xfrm>
+          <a:prstGeom prst="rect">
+            <a:avLst/>
+          </a:prstGeom>
+          <a:ln>
+            <a:solidFill>
+              <a:schemeClr val="bg1">
+                <a:lumMod val="85000"/>
+              </a:schemeClr>
+            </a:solidFill>
+          </a:ln>
+        </p:spPr>
+      </p:pic>
+      <p:sp>
+        <p:nvSpPr>
+          <p:cNvPr id="6" name="TextBox 5"/>
+          <p:cNvSpPr txBox="1"/>
+          <p:nvPr/>
+        </p:nvSpPr>
+        <p:spPr>
+          <a:xfrm>
+            <a:off x="1572692" y="1943262"/>
+            <a:ext cx="5256584" cy="369332"/>
+          </a:xfrm>
+          <a:prstGeom prst="rect">
+            <a:avLst/>
+          </a:prstGeom>
+          <a:noFill/>
+        </p:spPr>
+        <p:txBody>
+          <a:bodyPr wrap="square" rtlCol="0">
+            <a:spAutoFit/>
+          </a:bodyPr>
+          <a:lstStyle/>
+          <a:p>
+            <a:r>
+              <a:rPr lang="en-US" altLang="ko-KR" b="1" dirty="0" smtClean="0">
+                <a:solidFill>
+                  <a:srgbClr val="7030A0"/>
+                </a:solidFill>
+              </a:rPr>
+              <a:t> </a:t>
+            </a:r>
+            <a:r>
+              <a:rPr lang="ko-KR" altLang="en-US" b="1" dirty="0" smtClean="0">
+                <a:solidFill>
+                  <a:srgbClr val="7030A0"/>
+                </a:solidFill>
+              </a:rPr>
+              <a:t>사용 </a:t>
+            </a:r>
+            <a:r>
+              <a:rPr lang="en-US" altLang="ko-KR" b="1" dirty="0" smtClean="0">
+                <a:solidFill>
+                  <a:srgbClr val="7030A0"/>
+                </a:solidFill>
+              </a:rPr>
+              <a:t>API – </a:t>
+            </a:r>
+            <a:r>
+              <a:rPr lang="ko-KR" altLang="en-US" b="1" dirty="0" smtClean="0">
+                <a:solidFill>
+                  <a:srgbClr val="7030A0"/>
+                </a:solidFill>
+              </a:rPr>
+              <a:t>검색</a:t>
+            </a:r>
+            <a:r>
+              <a:rPr lang="en-US" altLang="ko-KR" b="1" dirty="0" smtClean="0">
+                <a:solidFill>
+                  <a:srgbClr val="7030A0"/>
+                </a:solidFill>
+              </a:rPr>
+              <a:t>, </a:t>
+            </a:r>
+            <a:r>
+              <a:rPr lang="en-US" altLang="ko-KR" b="1" dirty="0" err="1" smtClean="0">
+                <a:solidFill>
+                  <a:srgbClr val="7030A0"/>
+                </a:solidFill>
+              </a:rPr>
+              <a:t>Clova</a:t>
+            </a:r>
+            <a:r>
+              <a:rPr lang="en-US" altLang="ko-KR" b="1" dirty="0" smtClean="0">
+                <a:solidFill>
+                  <a:srgbClr val="7030A0"/>
+                </a:solidFill>
+              </a:rPr>
+              <a:t> Face Recognition</a:t>
+            </a:r>
+            <a:endParaRPr lang="ko-KR" altLang="en-US" b="1" dirty="0">
+              <a:solidFill>
+                <a:srgbClr val="7030A0"/>
+              </a:solidFill>
+            </a:endParaRPr>
+          </a:p>
+        </p:txBody>
+      </p:sp>
+    </p:spTree>
+    <p:extLst>
+      <p:ext uri="{BB962C8B-B14F-4D97-AF65-F5344CB8AC3E}">
+        <p14:creationId xmlns:p14="http://schemas.microsoft.com/office/powerpoint/2010/main" val="1413033953"/>
+      </p:ext>
+    </p:extLst>
+  </p:cSld>
+  <p:clrMapOvr>
+    <a:masterClrMapping/>
+  </p:clrMapOvr>
+  <p:timing>
+    <p:tnLst>
+      <p:par>
+        <p:cTn id="1" dur="indefinite" restart="never" nodeType="tmRoot"/>
+      </p:par>
+    </p:tnLst>
+  </p:timing>
+</p:sld>
+</file>
+
+<file path=ppt/slides/slide37.xml><?xml version="1.0" encoding="utf-8"?>
+<p:sld xmlns:a="http://schemas.openxmlformats.org/drawingml/2006/main" xmlns:r="http://schemas.openxmlformats.org/officeDocument/2006/relationships" xmlns:p="http://schemas.openxmlformats.org/presentationml/2006/main">
+  <p:cSld>
+    <p:spTree>
+      <p:nvGrpSpPr>
+        <p:cNvPr id="1" name=""/>
+        <p:cNvGrpSpPr/>
+        <p:nvPr/>
+      </p:nvGrpSpPr>
+      <p:grpSpPr>
+        <a:xfrm>
+          <a:off x="0" y="0"/>
+          <a:ext cx="0" cy="0"/>
+          <a:chOff x="0" y="0"/>
+          <a:chExt cx="0" cy="0"/>
+        </a:xfrm>
+      </p:grpSpPr>
+      <p:sp>
+        <p:nvSpPr>
+          <p:cNvPr id="2" name="제목 1"/>
+          <p:cNvSpPr>
+            <a:spLocks noGrp="1"/>
+          </p:cNvSpPr>
+          <p:nvPr>
+            <p:ph type="title"/>
+          </p:nvPr>
+        </p:nvSpPr>
+        <p:spPr/>
+        <p:txBody>
+          <a:bodyPr>
+            <a:normAutofit/>
+          </a:bodyPr>
+          <a:lstStyle/>
+          <a:p>
+            <a:r>
+              <a:rPr lang="en-US" altLang="ko-KR" sz="2800" dirty="0"/>
+              <a:t> </a:t>
+            </a:r>
+            <a:r>
+              <a:rPr lang="ko-KR" altLang="en-US" sz="2800" dirty="0" smtClean="0"/>
+              <a:t>네이버 </a:t>
+            </a:r>
+            <a:r>
+              <a:rPr lang="en-US" altLang="ko-KR" sz="2800" dirty="0" smtClean="0"/>
+              <a:t>API </a:t>
+            </a:r>
+            <a:r>
+              <a:rPr lang="ko-KR" altLang="en-US" sz="2800" dirty="0" smtClean="0"/>
+              <a:t>사용해보기</a:t>
+            </a:r>
+            <a:endParaRPr lang="ko-KR" altLang="en-US" sz="2800" dirty="0"/>
+          </a:p>
+        </p:txBody>
+      </p:sp>
+      <p:sp>
+        <p:nvSpPr>
+          <p:cNvPr id="4" name="슬라이드 번호 개체 틀 3"/>
+          <p:cNvSpPr>
+            <a:spLocks noGrp="1"/>
+          </p:cNvSpPr>
+          <p:nvPr>
+            <p:ph type="sldNum" sz="quarter" idx="12"/>
+          </p:nvPr>
+        </p:nvSpPr>
+        <p:spPr/>
+        <p:txBody>
+          <a:bodyPr/>
+          <a:lstStyle/>
+          <a:p>
+            <a:fld id="{1BDE3FE7-3AEA-4B05-AC5A-802D1816ACF0}" type="slidenum">
+              <a:rPr lang="ko-KR" altLang="en-US" smtClean="0"/>
+              <a:t>37</a:t>
+            </a:fld>
+            <a:endParaRPr lang="ko-KR" altLang="en-US"/>
+          </a:p>
+        </p:txBody>
+      </p:sp>
+      <p:sp>
+        <p:nvSpPr>
+          <p:cNvPr id="8" name="TextBox 7"/>
+          <p:cNvSpPr txBox="1"/>
+          <p:nvPr/>
+        </p:nvSpPr>
+        <p:spPr>
+          <a:xfrm>
+            <a:off x="992560" y="1268467"/>
+            <a:ext cx="7860873" cy="494494"/>
+          </a:xfrm>
+          <a:prstGeom prst="rect">
+            <a:avLst/>
+          </a:prstGeom>
+          <a:ln w="9525">
+            <a:noFill/>
+          </a:ln>
+        </p:spPr>
+        <p:style>
+          <a:lnRef idx="2">
+            <a:schemeClr val="dk1"/>
+          </a:lnRef>
+          <a:fillRef idx="1">
+            <a:schemeClr val="lt1"/>
+          </a:fillRef>
+          <a:effectRef idx="0">
+            <a:schemeClr val="dk1"/>
+          </a:effectRef>
+          <a:fontRef idx="minor">
+            <a:schemeClr val="dk1"/>
+          </a:fontRef>
+        </p:style>
+        <p:txBody>
+          <a:bodyPr wrap="square" rtlCol="0">
+            <a:spAutoFit/>
+          </a:bodyPr>
+          <a:lstStyle/>
+          <a:p>
+            <a:pPr marL="342900" indent="-342900">
+              <a:lnSpc>
+                <a:spcPct val="150000"/>
+              </a:lnSpc>
+              <a:buFont typeface="Wingdings" panose="05000000000000000000" pitchFamily="2" charset="2"/>
+              <a:buChar char="l"/>
+            </a:pPr>
+            <a:r>
+              <a:rPr lang="en-US" altLang="ko-KR" sz="2000" dirty="0" smtClean="0">
+                <a:latin typeface="+mn-ea"/>
+              </a:rPr>
+              <a:t>NAVER </a:t>
+            </a:r>
+            <a:r>
+              <a:rPr lang="ko-KR" altLang="en-US" sz="2000" dirty="0" smtClean="0">
+                <a:latin typeface="+mn-ea"/>
+              </a:rPr>
+              <a:t>개발자 센터에서 애플리케이션 등록</a:t>
+            </a:r>
+            <a:endParaRPr lang="en-US" altLang="ko-KR" dirty="0" smtClean="0">
+              <a:solidFill>
+                <a:srgbClr val="C00000"/>
+              </a:solidFill>
+              <a:latin typeface="+mn-ea"/>
+            </a:endParaRPr>
+          </a:p>
+        </p:txBody>
+      </p:sp>
+      <p:sp>
+        <p:nvSpPr>
+          <p:cNvPr id="6" name="TextBox 5"/>
+          <p:cNvSpPr txBox="1"/>
+          <p:nvPr/>
+        </p:nvSpPr>
+        <p:spPr>
+          <a:xfrm>
+            <a:off x="1572692" y="1943262"/>
+            <a:ext cx="5972596" cy="369332"/>
+          </a:xfrm>
+          <a:prstGeom prst="rect">
+            <a:avLst/>
+          </a:prstGeom>
+          <a:noFill/>
+        </p:spPr>
+        <p:txBody>
+          <a:bodyPr wrap="square" rtlCol="0">
+            <a:spAutoFit/>
+          </a:bodyPr>
+          <a:lstStyle/>
+          <a:p>
+            <a:r>
+              <a:rPr lang="en-US" altLang="ko-KR" b="1" dirty="0" smtClean="0">
+                <a:solidFill>
+                  <a:srgbClr val="7030A0"/>
+                </a:solidFill>
+              </a:rPr>
+              <a:t> </a:t>
+            </a:r>
+            <a:r>
+              <a:rPr lang="en-US" altLang="ko-KR" b="1" dirty="0" err="1" smtClean="0">
+                <a:solidFill>
+                  <a:srgbClr val="7030A0"/>
+                </a:solidFill>
+              </a:rPr>
+              <a:t>Jupyter</a:t>
+            </a:r>
+            <a:r>
+              <a:rPr lang="en-US" altLang="ko-KR" b="1" dirty="0" smtClean="0">
+                <a:solidFill>
+                  <a:srgbClr val="7030A0"/>
+                </a:solidFill>
+              </a:rPr>
+              <a:t> Notebook</a:t>
+            </a:r>
+            <a:r>
+              <a:rPr lang="ko-KR" altLang="en-US" b="1" dirty="0" smtClean="0">
+                <a:solidFill>
+                  <a:srgbClr val="7030A0"/>
+                </a:solidFill>
+              </a:rPr>
+              <a:t>의 </a:t>
+            </a:r>
+            <a:r>
+              <a:rPr lang="ko-KR" altLang="en-US" b="1" dirty="0" err="1" smtClean="0">
+                <a:solidFill>
+                  <a:srgbClr val="7030A0"/>
+                </a:solidFill>
+              </a:rPr>
+              <a:t>웹서버</a:t>
+            </a:r>
+            <a:r>
+              <a:rPr lang="ko-KR" altLang="en-US" b="1" dirty="0" smtClean="0">
+                <a:solidFill>
+                  <a:srgbClr val="7030A0"/>
+                </a:solidFill>
+              </a:rPr>
+              <a:t> 주소 </a:t>
+            </a:r>
+            <a:r>
+              <a:rPr lang="en-US" altLang="ko-KR" b="1" dirty="0" smtClean="0">
+                <a:solidFill>
+                  <a:srgbClr val="7030A0"/>
+                </a:solidFill>
+              </a:rPr>
+              <a:t>– localhost </a:t>
+            </a:r>
+            <a:r>
+              <a:rPr lang="ko-KR" altLang="en-US" b="1" dirty="0" smtClean="0">
+                <a:solidFill>
+                  <a:srgbClr val="7030A0"/>
+                </a:solidFill>
+              </a:rPr>
+              <a:t>등록</a:t>
+            </a:r>
+            <a:r>
+              <a:rPr lang="en-US" altLang="ko-KR" b="1" dirty="0" smtClean="0">
+                <a:solidFill>
+                  <a:srgbClr val="7030A0"/>
+                </a:solidFill>
+              </a:rPr>
+              <a:t> </a:t>
+            </a:r>
+          </a:p>
+        </p:txBody>
+      </p:sp>
+      <p:pic>
+        <p:nvPicPr>
+          <p:cNvPr id="5" name="그림 4"/>
+          <p:cNvPicPr>
+            <a:picLocks noChangeAspect="1"/>
+          </p:cNvPicPr>
+          <p:nvPr/>
+        </p:nvPicPr>
+        <p:blipFill>
+          <a:blip r:embed="rId2">
+            <a:extLst>
+              <a:ext uri="{28A0092B-C50C-407E-A947-70E740481C1C}">
+                <a14:useLocalDpi xmlns:a14="http://schemas.microsoft.com/office/drawing/2010/main" val="0"/>
+              </a:ext>
+            </a:extLst>
+          </a:blip>
+          <a:stretch>
+            <a:fillRect/>
+          </a:stretch>
+        </p:blipFill>
+        <p:spPr>
+          <a:xfrm>
+            <a:off x="1572692" y="2564904"/>
+            <a:ext cx="6265834" cy="3646040"/>
+          </a:xfrm>
+          <a:prstGeom prst="rect">
+            <a:avLst/>
+          </a:prstGeom>
+          <a:ln>
+            <a:solidFill>
+              <a:schemeClr val="bg1">
+                <a:lumMod val="85000"/>
+              </a:schemeClr>
+            </a:solidFill>
+          </a:ln>
+        </p:spPr>
+      </p:pic>
+    </p:spTree>
+    <p:extLst>
+      <p:ext uri="{BB962C8B-B14F-4D97-AF65-F5344CB8AC3E}">
+        <p14:creationId xmlns:p14="http://schemas.microsoft.com/office/powerpoint/2010/main" val="2420978046"/>
+      </p:ext>
+    </p:extLst>
+  </p:cSld>
+  <p:clrMapOvr>
+    <a:masterClrMapping/>
+  </p:clrMapOvr>
+  <p:timing>
+    <p:tnLst>
+      <p:par>
+        <p:cTn id="1" dur="indefinite" restart="never" nodeType="tmRoot"/>
+      </p:par>
+    </p:tnLst>
+  </p:timing>
+</p:sld>
+</file>
+
+<file path=ppt/slides/slide38.xml><?xml version="1.0" encoding="utf-8"?>
+<p:sld xmlns:a="http://schemas.openxmlformats.org/drawingml/2006/main" xmlns:r="http://schemas.openxmlformats.org/officeDocument/2006/relationships" xmlns:p="http://schemas.openxmlformats.org/presentationml/2006/main">
+  <p:cSld>
+    <p:spTree>
+      <p:nvGrpSpPr>
+        <p:cNvPr id="1" name=""/>
+        <p:cNvGrpSpPr/>
+        <p:nvPr/>
+      </p:nvGrpSpPr>
+      <p:grpSpPr>
+        <a:xfrm>
+          <a:off x="0" y="0"/>
+          <a:ext cx="0" cy="0"/>
+          <a:chOff x="0" y="0"/>
+          <a:chExt cx="0" cy="0"/>
+        </a:xfrm>
+      </p:grpSpPr>
+      <p:sp>
+        <p:nvSpPr>
+          <p:cNvPr id="2" name="제목 1"/>
+          <p:cNvSpPr>
+            <a:spLocks noGrp="1"/>
+          </p:cNvSpPr>
+          <p:nvPr>
+            <p:ph type="title"/>
+          </p:nvPr>
+        </p:nvSpPr>
+        <p:spPr/>
+        <p:txBody>
+          <a:bodyPr>
+            <a:normAutofit/>
+          </a:bodyPr>
+          <a:lstStyle/>
+          <a:p>
+            <a:r>
+              <a:rPr lang="en-US" altLang="ko-KR" sz="2800" dirty="0"/>
+              <a:t> </a:t>
+            </a:r>
+            <a:r>
+              <a:rPr lang="ko-KR" altLang="en-US" sz="2800" dirty="0" smtClean="0"/>
+              <a:t>네이버 </a:t>
+            </a:r>
+            <a:r>
+              <a:rPr lang="en-US" altLang="ko-KR" sz="2800" dirty="0" smtClean="0"/>
+              <a:t>API </a:t>
+            </a:r>
+            <a:r>
+              <a:rPr lang="ko-KR" altLang="en-US" sz="2800" dirty="0" smtClean="0"/>
+              <a:t>사용해보기</a:t>
+            </a:r>
+            <a:endParaRPr lang="ko-KR" altLang="en-US" sz="2800" dirty="0"/>
+          </a:p>
+        </p:txBody>
+      </p:sp>
+      <p:sp>
+        <p:nvSpPr>
+          <p:cNvPr id="4" name="슬라이드 번호 개체 틀 3"/>
+          <p:cNvSpPr>
+            <a:spLocks noGrp="1"/>
+          </p:cNvSpPr>
+          <p:nvPr>
+            <p:ph type="sldNum" sz="quarter" idx="12"/>
+          </p:nvPr>
+        </p:nvSpPr>
+        <p:spPr/>
+        <p:txBody>
+          <a:bodyPr/>
+          <a:lstStyle/>
+          <a:p>
+            <a:fld id="{1BDE3FE7-3AEA-4B05-AC5A-802D1816ACF0}" type="slidenum">
+              <a:rPr lang="ko-KR" altLang="en-US" smtClean="0"/>
+              <a:t>38</a:t>
+            </a:fld>
+            <a:endParaRPr lang="ko-KR" altLang="en-US"/>
+          </a:p>
+        </p:txBody>
+      </p:sp>
+      <p:sp>
+        <p:nvSpPr>
+          <p:cNvPr id="8" name="TextBox 7"/>
+          <p:cNvSpPr txBox="1"/>
+          <p:nvPr/>
+        </p:nvSpPr>
+        <p:spPr>
+          <a:xfrm>
+            <a:off x="992560" y="1268467"/>
+            <a:ext cx="7860873" cy="494494"/>
+          </a:xfrm>
+          <a:prstGeom prst="rect">
+            <a:avLst/>
+          </a:prstGeom>
+          <a:ln w="9525">
+            <a:noFill/>
+          </a:ln>
+        </p:spPr>
+        <p:style>
+          <a:lnRef idx="2">
+            <a:schemeClr val="dk1"/>
+          </a:lnRef>
+          <a:fillRef idx="1">
+            <a:schemeClr val="lt1"/>
+          </a:fillRef>
+          <a:effectRef idx="0">
+            <a:schemeClr val="dk1"/>
+          </a:effectRef>
+          <a:fontRef idx="minor">
+            <a:schemeClr val="dk1"/>
+          </a:fontRef>
+        </p:style>
+        <p:txBody>
+          <a:bodyPr wrap="square" rtlCol="0">
+            <a:spAutoFit/>
+          </a:bodyPr>
+          <a:lstStyle/>
+          <a:p>
+            <a:pPr marL="342900" indent="-342900">
+              <a:lnSpc>
+                <a:spcPct val="150000"/>
+              </a:lnSpc>
+              <a:buFont typeface="Wingdings" panose="05000000000000000000" pitchFamily="2" charset="2"/>
+              <a:buChar char="l"/>
+            </a:pPr>
+            <a:r>
+              <a:rPr lang="en-US" altLang="ko-KR" sz="2000" dirty="0" smtClean="0">
+                <a:latin typeface="+mn-ea"/>
+              </a:rPr>
+              <a:t>NAVER </a:t>
+            </a:r>
+            <a:r>
+              <a:rPr lang="ko-KR" altLang="en-US" sz="2000" dirty="0" smtClean="0">
+                <a:latin typeface="+mn-ea"/>
+              </a:rPr>
+              <a:t>개발자 센터에서 애플리케이션 등록</a:t>
+            </a:r>
+            <a:endParaRPr lang="en-US" altLang="ko-KR" dirty="0" smtClean="0">
+              <a:solidFill>
+                <a:srgbClr val="C00000"/>
+              </a:solidFill>
+              <a:latin typeface="+mn-ea"/>
+            </a:endParaRPr>
+          </a:p>
+        </p:txBody>
+      </p:sp>
+      <p:sp>
+        <p:nvSpPr>
+          <p:cNvPr id="6" name="TextBox 5"/>
+          <p:cNvSpPr txBox="1"/>
+          <p:nvPr/>
+        </p:nvSpPr>
+        <p:spPr>
+          <a:xfrm>
+            <a:off x="1572692" y="1943262"/>
+            <a:ext cx="5972596" cy="369332"/>
+          </a:xfrm>
+          <a:prstGeom prst="rect">
+            <a:avLst/>
+          </a:prstGeom>
+          <a:noFill/>
+        </p:spPr>
+        <p:txBody>
+          <a:bodyPr wrap="square" rtlCol="0">
+            <a:spAutoFit/>
+          </a:bodyPr>
+          <a:lstStyle/>
+          <a:p>
+            <a:r>
+              <a:rPr lang="en-US" altLang="ko-KR" b="1" dirty="0" smtClean="0">
+                <a:solidFill>
+                  <a:srgbClr val="7030A0"/>
+                </a:solidFill>
+              </a:rPr>
+              <a:t> </a:t>
+            </a:r>
+            <a:r>
+              <a:rPr lang="en-US" altLang="ko-KR" b="1" dirty="0" err="1" smtClean="0">
+                <a:solidFill>
+                  <a:srgbClr val="7030A0"/>
+                </a:solidFill>
+              </a:rPr>
+              <a:t>Jupyter</a:t>
+            </a:r>
+            <a:r>
+              <a:rPr lang="en-US" altLang="ko-KR" b="1" dirty="0" smtClean="0">
+                <a:solidFill>
+                  <a:srgbClr val="7030A0"/>
+                </a:solidFill>
+              </a:rPr>
+              <a:t> Notebook</a:t>
+            </a:r>
+            <a:r>
+              <a:rPr lang="ko-KR" altLang="en-US" b="1" dirty="0" smtClean="0">
+                <a:solidFill>
+                  <a:srgbClr val="7030A0"/>
+                </a:solidFill>
+              </a:rPr>
+              <a:t>의 </a:t>
+            </a:r>
+            <a:r>
+              <a:rPr lang="ko-KR" altLang="en-US" b="1" dirty="0" err="1" smtClean="0">
+                <a:solidFill>
+                  <a:srgbClr val="7030A0"/>
+                </a:solidFill>
+              </a:rPr>
+              <a:t>웹서버</a:t>
+            </a:r>
+            <a:r>
+              <a:rPr lang="ko-KR" altLang="en-US" b="1" dirty="0" smtClean="0">
+                <a:solidFill>
+                  <a:srgbClr val="7030A0"/>
+                </a:solidFill>
+              </a:rPr>
+              <a:t> 주소 </a:t>
+            </a:r>
+            <a:r>
+              <a:rPr lang="en-US" altLang="ko-KR" b="1" dirty="0" smtClean="0">
+                <a:solidFill>
+                  <a:srgbClr val="7030A0"/>
+                </a:solidFill>
+              </a:rPr>
+              <a:t>– localhost </a:t>
+            </a:r>
+            <a:r>
+              <a:rPr lang="ko-KR" altLang="en-US" b="1" dirty="0" smtClean="0">
+                <a:solidFill>
+                  <a:srgbClr val="7030A0"/>
+                </a:solidFill>
+              </a:rPr>
+              <a:t>등록</a:t>
+            </a:r>
+            <a:r>
+              <a:rPr lang="en-US" altLang="ko-KR" b="1" dirty="0" smtClean="0">
+                <a:solidFill>
+                  <a:srgbClr val="7030A0"/>
+                </a:solidFill>
+              </a:rPr>
+              <a:t> </a:t>
+            </a:r>
+          </a:p>
+        </p:txBody>
+      </p:sp>
+      <p:pic>
+        <p:nvPicPr>
+          <p:cNvPr id="5" name="그림 4"/>
+          <p:cNvPicPr>
+            <a:picLocks noChangeAspect="1"/>
+          </p:cNvPicPr>
+          <p:nvPr/>
+        </p:nvPicPr>
+        <p:blipFill>
+          <a:blip r:embed="rId2">
+            <a:extLst>
+              <a:ext uri="{28A0092B-C50C-407E-A947-70E740481C1C}">
+                <a14:useLocalDpi xmlns:a14="http://schemas.microsoft.com/office/drawing/2010/main" val="0"/>
+              </a:ext>
+            </a:extLst>
+          </a:blip>
+          <a:stretch>
+            <a:fillRect/>
+          </a:stretch>
+        </p:blipFill>
+        <p:spPr>
+          <a:xfrm>
+            <a:off x="1572692" y="2564904"/>
+            <a:ext cx="6265834" cy="3646040"/>
+          </a:xfrm>
+          <a:prstGeom prst="rect">
+            <a:avLst/>
+          </a:prstGeom>
+          <a:ln>
+            <a:solidFill>
+              <a:schemeClr val="bg1">
+                <a:lumMod val="85000"/>
+              </a:schemeClr>
+            </a:solidFill>
+          </a:ln>
+        </p:spPr>
+      </p:pic>
+    </p:spTree>
+    <p:extLst>
+      <p:ext uri="{BB962C8B-B14F-4D97-AF65-F5344CB8AC3E}">
+        <p14:creationId xmlns:p14="http://schemas.microsoft.com/office/powerpoint/2010/main" val="2236522436"/>
+      </p:ext>
+    </p:extLst>
+  </p:cSld>
+  <p:clrMapOvr>
+    <a:masterClrMapping/>
+  </p:clrMapOvr>
+  <p:timing>
+    <p:tnLst>
+      <p:par>
+        <p:cTn id="1" dur="indefinite" restart="never" nodeType="tmRoot"/>
+      </p:par>
+    </p:tnLst>
+  </p:timing>
+</p:sld>
+</file>
+
+<file path=ppt/slides/slide39.xml><?xml version="1.0" encoding="utf-8"?>
+<p:sld xmlns:a="http://schemas.openxmlformats.org/drawingml/2006/main" xmlns:r="http://schemas.openxmlformats.org/officeDocument/2006/relationships" xmlns:p="http://schemas.openxmlformats.org/presentationml/2006/main">
+  <p:cSld>
+    <p:spTree>
+      <p:nvGrpSpPr>
+        <p:cNvPr id="1" name=""/>
+        <p:cNvGrpSpPr/>
+        <p:nvPr/>
+      </p:nvGrpSpPr>
+      <p:grpSpPr>
+        <a:xfrm>
+          <a:off x="0" y="0"/>
+          <a:ext cx="0" cy="0"/>
+          <a:chOff x="0" y="0"/>
+          <a:chExt cx="0" cy="0"/>
+        </a:xfrm>
+      </p:grpSpPr>
+      <p:sp>
+        <p:nvSpPr>
+          <p:cNvPr id="2" name="제목 1"/>
+          <p:cNvSpPr>
+            <a:spLocks noGrp="1"/>
+          </p:cNvSpPr>
+          <p:nvPr>
+            <p:ph type="title"/>
+          </p:nvPr>
+        </p:nvSpPr>
+        <p:spPr/>
+        <p:txBody>
+          <a:bodyPr>
+            <a:normAutofit/>
+          </a:bodyPr>
+          <a:lstStyle/>
+          <a:p>
+            <a:r>
+              <a:rPr lang="en-US" altLang="ko-KR" sz="2800" dirty="0"/>
+              <a:t> </a:t>
+            </a:r>
+            <a:r>
+              <a:rPr lang="ko-KR" altLang="en-US" sz="2800" dirty="0" smtClean="0"/>
+              <a:t>네이버 </a:t>
+            </a:r>
+            <a:r>
+              <a:rPr lang="en-US" altLang="ko-KR" sz="2800" dirty="0" smtClean="0"/>
+              <a:t>API </a:t>
+            </a:r>
+            <a:r>
+              <a:rPr lang="ko-KR" altLang="en-US" sz="2800" dirty="0" smtClean="0"/>
+              <a:t>사용해보기</a:t>
+            </a:r>
+            <a:endParaRPr lang="ko-KR" altLang="en-US" sz="2800" dirty="0"/>
+          </a:p>
+        </p:txBody>
+      </p:sp>
+      <p:sp>
+        <p:nvSpPr>
+          <p:cNvPr id="4" name="슬라이드 번호 개체 틀 3"/>
+          <p:cNvSpPr>
+            <a:spLocks noGrp="1"/>
+          </p:cNvSpPr>
+          <p:nvPr>
+            <p:ph type="sldNum" sz="quarter" idx="12"/>
+          </p:nvPr>
+        </p:nvSpPr>
+        <p:spPr/>
+        <p:txBody>
+          <a:bodyPr/>
+          <a:lstStyle/>
+          <a:p>
+            <a:fld id="{1BDE3FE7-3AEA-4B05-AC5A-802D1816ACF0}" type="slidenum">
+              <a:rPr lang="ko-KR" altLang="en-US" smtClean="0"/>
+              <a:t>39</a:t>
+            </a:fld>
+            <a:endParaRPr lang="ko-KR" altLang="en-US"/>
+          </a:p>
+        </p:txBody>
+      </p:sp>
+      <p:sp>
+        <p:nvSpPr>
+          <p:cNvPr id="8" name="TextBox 7"/>
+          <p:cNvSpPr txBox="1"/>
+          <p:nvPr/>
+        </p:nvSpPr>
+        <p:spPr>
+          <a:xfrm>
+            <a:off x="992560" y="1268467"/>
+            <a:ext cx="7860873" cy="494494"/>
+          </a:xfrm>
+          <a:prstGeom prst="rect">
+            <a:avLst/>
+          </a:prstGeom>
+          <a:ln w="9525">
+            <a:noFill/>
+          </a:ln>
+        </p:spPr>
+        <p:style>
+          <a:lnRef idx="2">
+            <a:schemeClr val="dk1"/>
+          </a:lnRef>
+          <a:fillRef idx="1">
+            <a:schemeClr val="lt1"/>
+          </a:fillRef>
+          <a:effectRef idx="0">
+            <a:schemeClr val="dk1"/>
+          </a:effectRef>
+          <a:fontRef idx="minor">
+            <a:schemeClr val="dk1"/>
+          </a:fontRef>
+        </p:style>
+        <p:txBody>
+          <a:bodyPr wrap="square" rtlCol="0">
+            <a:spAutoFit/>
+          </a:bodyPr>
+          <a:lstStyle/>
+          <a:p>
+            <a:pPr marL="342900" indent="-342900">
+              <a:lnSpc>
+                <a:spcPct val="150000"/>
+              </a:lnSpc>
+              <a:buFont typeface="Wingdings" panose="05000000000000000000" pitchFamily="2" charset="2"/>
+              <a:buChar char="l"/>
+            </a:pPr>
+            <a:r>
+              <a:rPr lang="en-US" altLang="ko-KR" sz="2000" dirty="0" smtClean="0">
+                <a:latin typeface="+mn-ea"/>
+              </a:rPr>
+              <a:t>NAVER </a:t>
+            </a:r>
+            <a:r>
+              <a:rPr lang="ko-KR" altLang="en-US" sz="2000" dirty="0" smtClean="0">
+                <a:latin typeface="+mn-ea"/>
+              </a:rPr>
+              <a:t>개발자 센터에서 애플리케이션 등록</a:t>
+            </a:r>
+            <a:endParaRPr lang="en-US" altLang="ko-KR" dirty="0" smtClean="0">
+              <a:solidFill>
+                <a:srgbClr val="C00000"/>
+              </a:solidFill>
+              <a:latin typeface="+mn-ea"/>
+            </a:endParaRPr>
+          </a:p>
+        </p:txBody>
+      </p:sp>
+      <p:sp>
+        <p:nvSpPr>
+          <p:cNvPr id="6" name="TextBox 5"/>
+          <p:cNvSpPr txBox="1"/>
+          <p:nvPr/>
+        </p:nvSpPr>
+        <p:spPr>
+          <a:xfrm>
+            <a:off x="1572692" y="1943262"/>
+            <a:ext cx="5972596" cy="369332"/>
+          </a:xfrm>
+          <a:prstGeom prst="rect">
+            <a:avLst/>
+          </a:prstGeom>
+          <a:noFill/>
+        </p:spPr>
+        <p:txBody>
+          <a:bodyPr wrap="square" rtlCol="0">
+            <a:spAutoFit/>
+          </a:bodyPr>
+          <a:lstStyle/>
+          <a:p>
+            <a:r>
+              <a:rPr lang="en-US" altLang="ko-KR" b="1" dirty="0" smtClean="0">
+                <a:solidFill>
+                  <a:srgbClr val="7030A0"/>
+                </a:solidFill>
+              </a:rPr>
+              <a:t> Client ID/ Client Secret </a:t>
+            </a:r>
+            <a:r>
+              <a:rPr lang="ko-KR" altLang="en-US" b="1" dirty="0" smtClean="0">
+                <a:solidFill>
+                  <a:srgbClr val="7030A0"/>
+                </a:solidFill>
+              </a:rPr>
+              <a:t>확인</a:t>
+            </a:r>
+            <a:endParaRPr lang="en-US" altLang="ko-KR" b="1" dirty="0" smtClean="0">
+              <a:solidFill>
+                <a:srgbClr val="7030A0"/>
+              </a:solidFill>
+            </a:endParaRPr>
+          </a:p>
+        </p:txBody>
+      </p:sp>
+      <p:pic>
+        <p:nvPicPr>
+          <p:cNvPr id="3" name="그림 2"/>
+          <p:cNvPicPr>
+            <a:picLocks noChangeAspect="1"/>
+          </p:cNvPicPr>
+          <p:nvPr/>
+        </p:nvPicPr>
+        <p:blipFill>
+          <a:blip r:embed="rId2">
+            <a:extLst>
+              <a:ext uri="{28A0092B-C50C-407E-A947-70E740481C1C}">
+                <a14:useLocalDpi xmlns:a14="http://schemas.microsoft.com/office/drawing/2010/main" val="0"/>
+              </a:ext>
+            </a:extLst>
+          </a:blip>
+          <a:stretch>
+            <a:fillRect/>
+          </a:stretch>
+        </p:blipFill>
+        <p:spPr>
+          <a:xfrm>
+            <a:off x="1397846" y="2492895"/>
+            <a:ext cx="7050300" cy="2989433"/>
+          </a:xfrm>
+          <a:prstGeom prst="rect">
+            <a:avLst/>
+          </a:prstGeom>
+          <a:ln>
+            <a:solidFill>
+              <a:schemeClr val="bg1">
+                <a:lumMod val="85000"/>
+              </a:schemeClr>
+            </a:solidFill>
+          </a:ln>
+        </p:spPr>
+      </p:pic>
+    </p:spTree>
+    <p:extLst>
+      <p:ext uri="{BB962C8B-B14F-4D97-AF65-F5344CB8AC3E}">
+        <p14:creationId xmlns:p14="http://schemas.microsoft.com/office/powerpoint/2010/main" val="2195328223"/>
+      </p:ext>
+    </p:extLst>
+  </p:cSld>
+  <p:clrMapOvr>
+    <a:masterClrMapping/>
+  </p:clrMapOvr>
+  <p:timing>
+    <p:tnLst>
+      <p:par>
+        <p:cTn id="1" dur="indefinite" restart="never" nodeType="tmRoot"/>
+      </p:par>
+    </p:tnLst>
+  </p:timing>
+</p:sld>
+</file>
+
 <file path=ppt/slides/slide4.xml><?xml version="1.0" encoding="utf-8"?>
 <p:sld xmlns:a="http://schemas.openxmlformats.org/drawingml/2006/main" xmlns:r="http://schemas.openxmlformats.org/officeDocument/2006/relationships" xmlns:p="http://schemas.openxmlformats.org/presentationml/2006/main">
   <p:cSld>
@@ -10288,13 +11619,7 @@
               <a:rPr lang="en-US" altLang="ko-KR" dirty="0" smtClean="0">
                 <a:ea typeface="돋움" panose="020B0600000101010101" pitchFamily="50" charset="-127"/>
               </a:rPr>
-              <a:t> </a:t>
-            </a:r>
-            <a:r>
-              <a:rPr lang="en-US" altLang="ko-KR" dirty="0" smtClean="0">
-                <a:ea typeface="돋움" panose="020B0600000101010101" pitchFamily="50" charset="-127"/>
-              </a:rPr>
-              <a:t>    - </a:t>
+              <a:t>     - </a:t>
             </a:r>
             <a:r>
               <a:rPr lang="ko-KR" altLang="en-US" dirty="0" smtClean="0">
@@ -10373,6 +11698,1429 @@
     <p:extLst>
       <p:ext uri="{BB962C8B-B14F-4D97-AF65-F5344CB8AC3E}">
         <p14:creationId xmlns:p14="http://schemas.microsoft.com/office/powerpoint/2010/main" val="2693635236"/>
+      </p:ext>
+    </p:extLst>
+  </p:cSld>
+  <p:clrMapOvr>
+    <a:masterClrMapping/>
+  </p:clrMapOvr>
+  <p:timing>
+    <p:tnLst>
+      <p:par>
+        <p:cTn id="1" dur="indefinite" restart="never" nodeType="tmRoot"/>
+      </p:par>
+    </p:tnLst>
+  </p:timing>
+</p:sld>
+</file>
+
+<file path=ppt/slides/slide40.xml><?xml version="1.0" encoding="utf-8"?>
+<p:sld xmlns:a="http://schemas.openxmlformats.org/drawingml/2006/main" xmlns:r="http://schemas.openxmlformats.org/officeDocument/2006/relationships" xmlns:p="http://schemas.openxmlformats.org/presentationml/2006/main">
+  <p:cSld>
+    <p:spTree>
+      <p:nvGrpSpPr>
+        <p:cNvPr id="1" name=""/>
+        <p:cNvGrpSpPr/>
+        <p:nvPr/>
+      </p:nvGrpSpPr>
+      <p:grpSpPr>
+        <a:xfrm>
+          <a:off x="0" y="0"/>
+          <a:ext cx="0" cy="0"/>
+          <a:chOff x="0" y="0"/>
+          <a:chExt cx="0" cy="0"/>
+        </a:xfrm>
+      </p:grpSpPr>
+      <p:sp>
+        <p:nvSpPr>
+          <p:cNvPr id="2" name="제목 1"/>
+          <p:cNvSpPr>
+            <a:spLocks noGrp="1"/>
+          </p:cNvSpPr>
+          <p:nvPr>
+            <p:ph type="title"/>
+          </p:nvPr>
+        </p:nvSpPr>
+        <p:spPr/>
+        <p:txBody>
+          <a:bodyPr>
+            <a:normAutofit/>
+          </a:bodyPr>
+          <a:lstStyle/>
+          <a:p>
+            <a:r>
+              <a:rPr lang="en-US" altLang="ko-KR" sz="2800" dirty="0"/>
+              <a:t> </a:t>
+            </a:r>
+            <a:r>
+              <a:rPr lang="ko-KR" altLang="en-US" sz="2800" dirty="0" smtClean="0"/>
+              <a:t>네이버 </a:t>
+            </a:r>
+            <a:r>
+              <a:rPr lang="en-US" altLang="ko-KR" sz="2800" dirty="0" smtClean="0"/>
+              <a:t>API </a:t>
+            </a:r>
+            <a:r>
+              <a:rPr lang="ko-KR" altLang="en-US" sz="2800" dirty="0" smtClean="0"/>
+              <a:t>사용해보기</a:t>
+            </a:r>
+            <a:endParaRPr lang="ko-KR" altLang="en-US" sz="2800" dirty="0"/>
+          </a:p>
+        </p:txBody>
+      </p:sp>
+      <p:sp>
+        <p:nvSpPr>
+          <p:cNvPr id="4" name="슬라이드 번호 개체 틀 3"/>
+          <p:cNvSpPr>
+            <a:spLocks noGrp="1"/>
+          </p:cNvSpPr>
+          <p:nvPr>
+            <p:ph type="sldNum" sz="quarter" idx="12"/>
+          </p:nvPr>
+        </p:nvSpPr>
+        <p:spPr/>
+        <p:txBody>
+          <a:bodyPr/>
+          <a:lstStyle/>
+          <a:p>
+            <a:fld id="{1BDE3FE7-3AEA-4B05-AC5A-802D1816ACF0}" type="slidenum">
+              <a:rPr lang="ko-KR" altLang="en-US" smtClean="0"/>
+              <a:t>40</a:t>
+            </a:fld>
+            <a:endParaRPr lang="ko-KR" altLang="en-US"/>
+          </a:p>
+        </p:txBody>
+      </p:sp>
+      <p:sp>
+        <p:nvSpPr>
+          <p:cNvPr id="8" name="TextBox 7"/>
+          <p:cNvSpPr txBox="1"/>
+          <p:nvPr/>
+        </p:nvSpPr>
+        <p:spPr>
+          <a:xfrm>
+            <a:off x="992561" y="1268467"/>
+            <a:ext cx="3960440" cy="494494"/>
+          </a:xfrm>
+          <a:prstGeom prst="rect">
+            <a:avLst/>
+          </a:prstGeom>
+          <a:ln w="9525">
+            <a:noFill/>
+          </a:ln>
+        </p:spPr>
+        <p:style>
+          <a:lnRef idx="2">
+            <a:schemeClr val="dk1"/>
+          </a:lnRef>
+          <a:fillRef idx="1">
+            <a:schemeClr val="lt1"/>
+          </a:fillRef>
+          <a:effectRef idx="0">
+            <a:schemeClr val="dk1"/>
+          </a:effectRef>
+          <a:fontRef idx="minor">
+            <a:schemeClr val="dk1"/>
+          </a:fontRef>
+        </p:style>
+        <p:txBody>
+          <a:bodyPr wrap="square" rtlCol="0">
+            <a:spAutoFit/>
+          </a:bodyPr>
+          <a:lstStyle/>
+          <a:p>
+            <a:pPr marL="342900" indent="-342900">
+              <a:lnSpc>
+                <a:spcPct val="150000"/>
+              </a:lnSpc>
+              <a:buFont typeface="Wingdings" panose="05000000000000000000" pitchFamily="2" charset="2"/>
+              <a:buChar char="l"/>
+            </a:pPr>
+            <a:r>
+              <a:rPr lang="en-US" altLang="ko-KR" sz="2000" dirty="0" smtClean="0">
+                <a:solidFill>
+                  <a:schemeClr val="tx1"/>
+                </a:solidFill>
+                <a:latin typeface="+mn-ea"/>
+              </a:rPr>
+              <a:t>API </a:t>
+            </a:r>
+            <a:r>
+              <a:rPr lang="ko-KR" altLang="en-US" sz="2000" dirty="0" smtClean="0">
+                <a:solidFill>
+                  <a:schemeClr val="tx1"/>
+                </a:solidFill>
+                <a:latin typeface="+mn-ea"/>
+              </a:rPr>
+              <a:t>사용 </a:t>
+            </a:r>
+            <a:r>
+              <a:rPr lang="en-US" altLang="ko-KR" sz="2000" dirty="0" smtClean="0">
+                <a:solidFill>
+                  <a:schemeClr val="tx1"/>
+                </a:solidFill>
+                <a:latin typeface="+mn-ea"/>
+              </a:rPr>
+              <a:t>URL </a:t>
+            </a:r>
+            <a:r>
+              <a:rPr lang="ko-KR" altLang="en-US" sz="2000" dirty="0" smtClean="0">
+                <a:solidFill>
+                  <a:schemeClr val="tx1"/>
+                </a:solidFill>
+                <a:latin typeface="+mn-ea"/>
+              </a:rPr>
+              <a:t>테이블</a:t>
+            </a:r>
+            <a:endParaRPr lang="en-US" altLang="ko-KR" sz="2000" dirty="0" smtClean="0">
+              <a:solidFill>
+                <a:schemeClr val="tx1"/>
+              </a:solidFill>
+              <a:latin typeface="+mn-ea"/>
+            </a:endParaRPr>
+          </a:p>
+        </p:txBody>
+      </p:sp>
+      <p:graphicFrame>
+        <p:nvGraphicFramePr>
+          <p:cNvPr id="5" name="표 4"/>
+          <p:cNvGraphicFramePr>
+            <a:graphicFrameLocks noGrp="1"/>
+          </p:cNvGraphicFramePr>
+          <p:nvPr>
+            <p:extLst>
+              <p:ext uri="{D42A27DB-BD31-4B8C-83A1-F6EECF244321}">
+                <p14:modId xmlns:p14="http://schemas.microsoft.com/office/powerpoint/2010/main" val="442746061"/>
+              </p:ext>
+            </p:extLst>
+          </p:nvPr>
+        </p:nvGraphicFramePr>
+        <p:xfrm>
+          <a:off x="1280592" y="2043756"/>
+          <a:ext cx="7344816" cy="2537370"/>
+        </p:xfrm>
+        <a:graphic>
+          <a:graphicData uri="http://schemas.openxmlformats.org/drawingml/2006/table">
+            <a:tbl>
+              <a:tblPr firstRow="1" bandRow="1">
+                <a:tableStyleId>{5940675A-B579-460E-94D1-54222C63F5DA}</a:tableStyleId>
+              </a:tblPr>
+              <a:tblGrid>
+                <a:gridCol w="1723783">
+                  <a:extLst>
+                    <a:ext uri="{9D8B030D-6E8A-4147-A177-3AD203B41FA5}">
+                      <a16:colId xmlns:a16="http://schemas.microsoft.com/office/drawing/2014/main" val="707077214"/>
+                    </a:ext>
+                  </a:extLst>
+                </a:gridCol>
+                <a:gridCol w="5621033">
+                  <a:extLst>
+                    <a:ext uri="{9D8B030D-6E8A-4147-A177-3AD203B41FA5}">
+                      <a16:colId xmlns:a16="http://schemas.microsoft.com/office/drawing/2014/main" val="1069809898"/>
+                    </a:ext>
+                  </a:extLst>
+                </a:gridCol>
+              </a:tblGrid>
+              <a:tr h="507474">
+                <a:tc>
+                  <a:txBody>
+                    <a:bodyPr/>
+                    <a:lstStyle/>
+                    <a:p>
+                      <a:pPr algn="ctr" latinLnBrk="1"/>
+                      <a:r>
+                        <a:rPr lang="ko-KR" altLang="en-US" dirty="0" smtClean="0"/>
+                        <a:t>블로그</a:t>
+                      </a:r>
+                      <a:endParaRPr lang="ko-KR" altLang="en-US" dirty="0"/>
+                    </a:p>
+                  </a:txBody>
+                  <a:tcPr anchor="ctr">
+                    <a:solidFill>
+                      <a:srgbClr val="FFFF00"/>
+                    </a:solidFill>
+                  </a:tcPr>
+                </a:tc>
+                <a:tc>
+                  <a:txBody>
+                    <a:bodyPr/>
+                    <a:lstStyle/>
+                    <a:p>
+                      <a:pPr algn="l" latinLnBrk="1"/>
+                      <a:r>
+                        <a:rPr lang="en-US" altLang="ko-KR" dirty="0" smtClean="0"/>
+                        <a:t> https://openapi.naver.com/v1/search/blog.json</a:t>
+                      </a:r>
+                      <a:endParaRPr lang="ko-KR" altLang="en-US" dirty="0"/>
+                    </a:p>
+                  </a:txBody>
+                  <a:tcPr anchor="ctr"/>
+                </a:tc>
+                <a:extLst>
+                  <a:ext uri="{0D108BD9-81ED-4DB2-BD59-A6C34878D82A}">
+                    <a16:rowId xmlns:a16="http://schemas.microsoft.com/office/drawing/2014/main" val="622012303"/>
+                  </a:ext>
+                </a:extLst>
+              </a:tr>
+              <a:tr h="507474">
+                <a:tc>
+                  <a:txBody>
+                    <a:bodyPr/>
+                    <a:lstStyle/>
+                    <a:p>
+                      <a:pPr algn="ctr" latinLnBrk="1"/>
+                      <a:r>
+                        <a:rPr lang="ko-KR" altLang="en-US" dirty="0" smtClean="0"/>
+                        <a:t>뉴스</a:t>
+                      </a:r>
+                      <a:endParaRPr lang="ko-KR" altLang="en-US" dirty="0"/>
+                    </a:p>
+                  </a:txBody>
+                  <a:tcPr anchor="ctr">
+                    <a:solidFill>
+                      <a:srgbClr val="FFFF00"/>
+                    </a:solidFill>
+                  </a:tcPr>
+                </a:tc>
+                <a:tc>
+                  <a:txBody>
+                    <a:bodyPr/>
+                    <a:lstStyle/>
+                    <a:p>
+                      <a:pPr marL="0" marR="0" lvl="0" indent="0" algn="l" defTabSz="914400" rtl="0" eaLnBrk="1" fontAlgn="auto" latinLnBrk="1" hangingPunct="1">
+                        <a:lnSpc>
+                          <a:spcPct val="100000"/>
+                        </a:lnSpc>
+                        <a:spcBef>
+                          <a:spcPts val="0"/>
+                        </a:spcBef>
+                        <a:spcAft>
+                          <a:spcPts val="0"/>
+                        </a:spcAft>
+                        <a:buClrTx/>
+                        <a:buSzTx/>
+                        <a:buFontTx/>
+                        <a:buNone/>
+                        <a:tabLst/>
+                        <a:defRPr/>
+                      </a:pPr>
+                      <a:r>
+                        <a:rPr lang="en-US" altLang="ko-KR" dirty="0" smtClean="0"/>
+                        <a:t> https://openapi.naver.com/v1/search/news.json</a:t>
+                      </a:r>
+                      <a:endParaRPr lang="ko-KR" altLang="en-US" dirty="0" smtClean="0"/>
+                    </a:p>
+                  </a:txBody>
+                  <a:tcPr anchor="ctr"/>
+                </a:tc>
+                <a:extLst>
+                  <a:ext uri="{0D108BD9-81ED-4DB2-BD59-A6C34878D82A}">
+                    <a16:rowId xmlns:a16="http://schemas.microsoft.com/office/drawing/2014/main" val="1599107433"/>
+                  </a:ext>
+                </a:extLst>
+              </a:tr>
+              <a:tr h="507474">
+                <a:tc>
+                  <a:txBody>
+                    <a:bodyPr/>
+                    <a:lstStyle/>
+                    <a:p>
+                      <a:pPr algn="ctr" latinLnBrk="1"/>
+                      <a:r>
+                        <a:rPr lang="ko-KR" altLang="en-US" dirty="0" smtClean="0"/>
+                        <a:t>책</a:t>
+                      </a:r>
+                      <a:endParaRPr lang="ko-KR" altLang="en-US" dirty="0"/>
+                    </a:p>
+                  </a:txBody>
+                  <a:tcPr anchor="ctr">
+                    <a:solidFill>
+                      <a:srgbClr val="FFFF00"/>
+                    </a:solidFill>
+                  </a:tcPr>
+                </a:tc>
+                <a:tc>
+                  <a:txBody>
+                    <a:bodyPr/>
+                    <a:lstStyle/>
+                    <a:p>
+                      <a:pPr marL="0" marR="0" lvl="0" indent="0" algn="l" defTabSz="914400" rtl="0" eaLnBrk="1" fontAlgn="auto" latinLnBrk="1" hangingPunct="1">
+                        <a:lnSpc>
+                          <a:spcPct val="100000"/>
+                        </a:lnSpc>
+                        <a:spcBef>
+                          <a:spcPts val="0"/>
+                        </a:spcBef>
+                        <a:spcAft>
+                          <a:spcPts val="0"/>
+                        </a:spcAft>
+                        <a:buClrTx/>
+                        <a:buSzTx/>
+                        <a:buFontTx/>
+                        <a:buNone/>
+                        <a:tabLst/>
+                        <a:defRPr/>
+                      </a:pPr>
+                      <a:r>
+                        <a:rPr lang="en-US" altLang="ko-KR" dirty="0" smtClean="0"/>
+                        <a:t> https://openapi.naver.com/v1/search/book.json</a:t>
+                      </a:r>
+                      <a:endParaRPr lang="ko-KR" altLang="en-US" dirty="0" smtClean="0"/>
+                    </a:p>
+                  </a:txBody>
+                  <a:tcPr anchor="ctr"/>
+                </a:tc>
+                <a:extLst>
+                  <a:ext uri="{0D108BD9-81ED-4DB2-BD59-A6C34878D82A}">
+                    <a16:rowId xmlns:a16="http://schemas.microsoft.com/office/drawing/2014/main" val="1496356873"/>
+                  </a:ext>
+                </a:extLst>
+              </a:tr>
+              <a:tr h="507474">
+                <a:tc>
+                  <a:txBody>
+                    <a:bodyPr/>
+                    <a:lstStyle/>
+                    <a:p>
+                      <a:pPr algn="ctr" latinLnBrk="1"/>
+                      <a:r>
+                        <a:rPr lang="ko-KR" altLang="en-US" dirty="0" smtClean="0"/>
+                        <a:t>영화</a:t>
+                      </a:r>
+                      <a:endParaRPr lang="ko-KR" altLang="en-US" dirty="0"/>
+                    </a:p>
+                  </a:txBody>
+                  <a:tcPr anchor="ctr">
+                    <a:solidFill>
+                      <a:srgbClr val="FFFF00"/>
+                    </a:solidFill>
+                  </a:tcPr>
+                </a:tc>
+                <a:tc>
+                  <a:txBody>
+                    <a:bodyPr/>
+                    <a:lstStyle/>
+                    <a:p>
+                      <a:pPr marL="0" marR="0" lvl="0" indent="0" algn="l" defTabSz="914400" rtl="0" eaLnBrk="1" fontAlgn="auto" latinLnBrk="1" hangingPunct="1">
+                        <a:lnSpc>
+                          <a:spcPct val="100000"/>
+                        </a:lnSpc>
+                        <a:spcBef>
+                          <a:spcPts val="0"/>
+                        </a:spcBef>
+                        <a:spcAft>
+                          <a:spcPts val="0"/>
+                        </a:spcAft>
+                        <a:buClrTx/>
+                        <a:buSzTx/>
+                        <a:buFontTx/>
+                        <a:buNone/>
+                        <a:tabLst/>
+                        <a:defRPr/>
+                      </a:pPr>
+                      <a:r>
+                        <a:rPr lang="en-US" altLang="ko-KR" dirty="0" smtClean="0"/>
+                        <a:t> https://openapi.naver.com/v1/search/movie.json</a:t>
+                      </a:r>
+                      <a:endParaRPr lang="ko-KR" altLang="en-US" dirty="0" smtClean="0"/>
+                    </a:p>
+                  </a:txBody>
+                  <a:tcPr anchor="ctr"/>
+                </a:tc>
+                <a:extLst>
+                  <a:ext uri="{0D108BD9-81ED-4DB2-BD59-A6C34878D82A}">
+                    <a16:rowId xmlns:a16="http://schemas.microsoft.com/office/drawing/2014/main" val="1069970017"/>
+                  </a:ext>
+                </a:extLst>
+              </a:tr>
+              <a:tr h="507474">
+                <a:tc>
+                  <a:txBody>
+                    <a:bodyPr/>
+                    <a:lstStyle/>
+                    <a:p>
+                      <a:pPr algn="ctr" latinLnBrk="1"/>
+                      <a:r>
+                        <a:rPr lang="ko-KR" altLang="en-US" dirty="0" smtClean="0"/>
+                        <a:t>쇼핑</a:t>
+                      </a:r>
+                      <a:endParaRPr lang="ko-KR" altLang="en-US" dirty="0"/>
+                    </a:p>
+                  </a:txBody>
+                  <a:tcPr anchor="ctr">
+                    <a:solidFill>
+                      <a:srgbClr val="FFFF00"/>
+                    </a:solidFill>
+                  </a:tcPr>
+                </a:tc>
+                <a:tc>
+                  <a:txBody>
+                    <a:bodyPr/>
+                    <a:lstStyle/>
+                    <a:p>
+                      <a:pPr marL="0" marR="0" lvl="0" indent="0" algn="l" defTabSz="914400" rtl="0" eaLnBrk="1" fontAlgn="auto" latinLnBrk="1" hangingPunct="1">
+                        <a:lnSpc>
+                          <a:spcPct val="100000"/>
+                        </a:lnSpc>
+                        <a:spcBef>
+                          <a:spcPts val="0"/>
+                        </a:spcBef>
+                        <a:spcAft>
+                          <a:spcPts val="0"/>
+                        </a:spcAft>
+                        <a:buClrTx/>
+                        <a:buSzTx/>
+                        <a:buFontTx/>
+                        <a:buNone/>
+                        <a:tabLst/>
+                        <a:defRPr/>
+                      </a:pPr>
+                      <a:r>
+                        <a:rPr lang="en-US" altLang="ko-KR" dirty="0" smtClean="0"/>
+                        <a:t> https://openapi.naver.com/v1/search/shop.json</a:t>
+                      </a:r>
+                      <a:endParaRPr lang="ko-KR" altLang="en-US" dirty="0" smtClean="0"/>
+                    </a:p>
+                  </a:txBody>
+                  <a:tcPr anchor="ctr"/>
+                </a:tc>
+                <a:extLst>
+                  <a:ext uri="{0D108BD9-81ED-4DB2-BD59-A6C34878D82A}">
+                    <a16:rowId xmlns:a16="http://schemas.microsoft.com/office/drawing/2014/main" val="828900034"/>
+                  </a:ext>
+                </a:extLst>
+              </a:tr>
+            </a:tbl>
+          </a:graphicData>
+        </a:graphic>
+      </p:graphicFrame>
+    </p:spTree>
+    <p:extLst>
+      <p:ext uri="{BB962C8B-B14F-4D97-AF65-F5344CB8AC3E}">
+        <p14:creationId xmlns:p14="http://schemas.microsoft.com/office/powerpoint/2010/main" val="333136778"/>
+      </p:ext>
+    </p:extLst>
+  </p:cSld>
+  <p:clrMapOvr>
+    <a:masterClrMapping/>
+  </p:clrMapOvr>
+  <p:timing>
+    <p:tnLst>
+      <p:par>
+        <p:cTn id="1" dur="indefinite" restart="never" nodeType="tmRoot"/>
+      </p:par>
+    </p:tnLst>
+  </p:timing>
+</p:sld>
+</file>
+
+<file path=ppt/slides/slide41.xml><?xml version="1.0" encoding="utf-8"?>
+<p:sld xmlns:a="http://schemas.openxmlformats.org/drawingml/2006/main" xmlns:r="http://schemas.openxmlformats.org/officeDocument/2006/relationships" xmlns:p="http://schemas.openxmlformats.org/presentationml/2006/main">
+  <p:cSld>
+    <p:spTree>
+      <p:nvGrpSpPr>
+        <p:cNvPr id="1" name=""/>
+        <p:cNvGrpSpPr/>
+        <p:nvPr/>
+      </p:nvGrpSpPr>
+      <p:grpSpPr>
+        <a:xfrm>
+          <a:off x="0" y="0"/>
+          <a:ext cx="0" cy="0"/>
+          <a:chOff x="0" y="0"/>
+          <a:chExt cx="0" cy="0"/>
+        </a:xfrm>
+      </p:grpSpPr>
+      <p:sp>
+        <p:nvSpPr>
+          <p:cNvPr id="2" name="제목 1"/>
+          <p:cNvSpPr>
+            <a:spLocks noGrp="1"/>
+          </p:cNvSpPr>
+          <p:nvPr>
+            <p:ph type="title"/>
+          </p:nvPr>
+        </p:nvSpPr>
+        <p:spPr/>
+        <p:txBody>
+          <a:bodyPr>
+            <a:normAutofit/>
+          </a:bodyPr>
+          <a:lstStyle/>
+          <a:p>
+            <a:r>
+              <a:rPr lang="en-US" altLang="ko-KR" sz="2800" dirty="0"/>
+              <a:t> </a:t>
+            </a:r>
+            <a:r>
+              <a:rPr lang="ko-KR" altLang="en-US" sz="2800" dirty="0" smtClean="0"/>
+              <a:t>네이버 </a:t>
+            </a:r>
+            <a:r>
+              <a:rPr lang="en-US" altLang="ko-KR" sz="2800" dirty="0" smtClean="0"/>
+              <a:t>API </a:t>
+            </a:r>
+            <a:r>
+              <a:rPr lang="ko-KR" altLang="en-US" sz="2800" dirty="0" smtClean="0"/>
+              <a:t>사용해보기</a:t>
+            </a:r>
+            <a:endParaRPr lang="ko-KR" altLang="en-US" sz="2800" dirty="0"/>
+          </a:p>
+        </p:txBody>
+      </p:sp>
+      <p:sp>
+        <p:nvSpPr>
+          <p:cNvPr id="4" name="슬라이드 번호 개체 틀 3"/>
+          <p:cNvSpPr>
+            <a:spLocks noGrp="1"/>
+          </p:cNvSpPr>
+          <p:nvPr>
+            <p:ph type="sldNum" sz="quarter" idx="12"/>
+          </p:nvPr>
+        </p:nvSpPr>
+        <p:spPr/>
+        <p:txBody>
+          <a:bodyPr/>
+          <a:lstStyle/>
+          <a:p>
+            <a:fld id="{1BDE3FE7-3AEA-4B05-AC5A-802D1816ACF0}" type="slidenum">
+              <a:rPr lang="ko-KR" altLang="en-US" smtClean="0"/>
+              <a:t>41</a:t>
+            </a:fld>
+            <a:endParaRPr lang="ko-KR" altLang="en-US"/>
+          </a:p>
+        </p:txBody>
+      </p:sp>
+      <p:pic>
+        <p:nvPicPr>
+          <p:cNvPr id="3" name="그림 2"/>
+          <p:cNvPicPr>
+            <a:picLocks noChangeAspect="1"/>
+          </p:cNvPicPr>
+          <p:nvPr/>
+        </p:nvPicPr>
+        <p:blipFill>
+          <a:blip r:embed="rId2">
+            <a:extLst>
+              <a:ext uri="{28A0092B-C50C-407E-A947-70E740481C1C}">
+                <a14:useLocalDpi xmlns:a14="http://schemas.microsoft.com/office/drawing/2010/main" val="0"/>
+              </a:ext>
+            </a:extLst>
+          </a:blip>
+          <a:stretch>
+            <a:fillRect/>
+          </a:stretch>
+        </p:blipFill>
+        <p:spPr>
+          <a:xfrm>
+            <a:off x="1136576" y="1268760"/>
+            <a:ext cx="7597798" cy="5006774"/>
+          </a:xfrm>
+          <a:prstGeom prst="rect">
+            <a:avLst/>
+          </a:prstGeom>
+        </p:spPr>
+      </p:pic>
+    </p:spTree>
+    <p:extLst>
+      <p:ext uri="{BB962C8B-B14F-4D97-AF65-F5344CB8AC3E}">
+        <p14:creationId xmlns:p14="http://schemas.microsoft.com/office/powerpoint/2010/main" val="37980584"/>
+      </p:ext>
+    </p:extLst>
+  </p:cSld>
+  <p:clrMapOvr>
+    <a:masterClrMapping/>
+  </p:clrMapOvr>
+  <p:timing>
+    <p:tnLst>
+      <p:par>
+        <p:cTn id="1" dur="indefinite" restart="never" nodeType="tmRoot"/>
+      </p:par>
+    </p:tnLst>
+  </p:timing>
+</p:sld>
+</file>
+
+<file path=ppt/slides/slide42.xml><?xml version="1.0" encoding="utf-8"?>
+<p:sld xmlns:a="http://schemas.openxmlformats.org/drawingml/2006/main" xmlns:r="http://schemas.openxmlformats.org/officeDocument/2006/relationships" xmlns:p="http://schemas.openxmlformats.org/presentationml/2006/main">
+  <p:cSld>
+    <p:spTree>
+      <p:nvGrpSpPr>
+        <p:cNvPr id="1" name=""/>
+        <p:cNvGrpSpPr/>
+        <p:nvPr/>
+      </p:nvGrpSpPr>
+      <p:grpSpPr>
+        <a:xfrm>
+          <a:off x="0" y="0"/>
+          <a:ext cx="0" cy="0"/>
+          <a:chOff x="0" y="0"/>
+          <a:chExt cx="0" cy="0"/>
+        </a:xfrm>
+      </p:grpSpPr>
+      <p:sp>
+        <p:nvSpPr>
+          <p:cNvPr id="2" name="제목 1"/>
+          <p:cNvSpPr>
+            <a:spLocks noGrp="1"/>
+          </p:cNvSpPr>
+          <p:nvPr>
+            <p:ph type="title"/>
+          </p:nvPr>
+        </p:nvSpPr>
+        <p:spPr/>
+        <p:txBody>
+          <a:bodyPr>
+            <a:normAutofit/>
+          </a:bodyPr>
+          <a:lstStyle/>
+          <a:p>
+            <a:r>
+              <a:rPr lang="en-US" altLang="ko-KR" sz="2800" dirty="0"/>
+              <a:t> </a:t>
+            </a:r>
+            <a:r>
+              <a:rPr lang="ko-KR" altLang="en-US" sz="2800" dirty="0" smtClean="0"/>
+              <a:t>네이버 </a:t>
+            </a:r>
+            <a:r>
+              <a:rPr lang="en-US" altLang="ko-KR" sz="2800" dirty="0" smtClean="0"/>
+              <a:t>API </a:t>
+            </a:r>
+            <a:r>
+              <a:rPr lang="ko-KR" altLang="en-US" sz="2800" dirty="0" smtClean="0"/>
+              <a:t>사용해보기</a:t>
+            </a:r>
+            <a:endParaRPr lang="ko-KR" altLang="en-US" sz="2800" dirty="0"/>
+          </a:p>
+        </p:txBody>
+      </p:sp>
+      <p:sp>
+        <p:nvSpPr>
+          <p:cNvPr id="4" name="슬라이드 번호 개체 틀 3"/>
+          <p:cNvSpPr>
+            <a:spLocks noGrp="1"/>
+          </p:cNvSpPr>
+          <p:nvPr>
+            <p:ph type="sldNum" sz="quarter" idx="12"/>
+          </p:nvPr>
+        </p:nvSpPr>
+        <p:spPr/>
+        <p:txBody>
+          <a:bodyPr/>
+          <a:lstStyle/>
+          <a:p>
+            <a:fld id="{1BDE3FE7-3AEA-4B05-AC5A-802D1816ACF0}" type="slidenum">
+              <a:rPr lang="ko-KR" altLang="en-US" smtClean="0"/>
+              <a:t>42</a:t>
+            </a:fld>
+            <a:endParaRPr lang="ko-KR" altLang="en-US"/>
+          </a:p>
+        </p:txBody>
+      </p:sp>
+      <p:pic>
+        <p:nvPicPr>
+          <p:cNvPr id="5" name="그림 4"/>
+          <p:cNvPicPr>
+            <a:picLocks noChangeAspect="1"/>
+          </p:cNvPicPr>
+          <p:nvPr/>
+        </p:nvPicPr>
+        <p:blipFill>
+          <a:blip r:embed="rId2">
+            <a:extLst>
+              <a:ext uri="{28A0092B-C50C-407E-A947-70E740481C1C}">
+                <a14:useLocalDpi xmlns:a14="http://schemas.microsoft.com/office/drawing/2010/main" val="0"/>
+              </a:ext>
+            </a:extLst>
+          </a:blip>
+          <a:stretch>
+            <a:fillRect/>
+          </a:stretch>
+        </p:blipFill>
+        <p:spPr>
+          <a:xfrm>
+            <a:off x="560512" y="1772816"/>
+            <a:ext cx="8994204" cy="1352069"/>
+          </a:xfrm>
+          <a:prstGeom prst="rect">
+            <a:avLst/>
+          </a:prstGeom>
+          <a:ln>
+            <a:solidFill>
+              <a:schemeClr val="bg1">
+                <a:lumMod val="85000"/>
+              </a:schemeClr>
+            </a:solidFill>
+          </a:ln>
+        </p:spPr>
+      </p:pic>
+    </p:spTree>
+    <p:extLst>
+      <p:ext uri="{BB962C8B-B14F-4D97-AF65-F5344CB8AC3E}">
+        <p14:creationId xmlns:p14="http://schemas.microsoft.com/office/powerpoint/2010/main" val="1670022480"/>
+      </p:ext>
+    </p:extLst>
+  </p:cSld>
+  <p:clrMapOvr>
+    <a:masterClrMapping/>
+  </p:clrMapOvr>
+  <p:timing>
+    <p:tnLst>
+      <p:par>
+        <p:cTn id="1" dur="indefinite" restart="never" nodeType="tmRoot"/>
+      </p:par>
+    </p:tnLst>
+  </p:timing>
+</p:sld>
+</file>
+
+<file path=ppt/slides/slide43.xml><?xml version="1.0" encoding="utf-8"?>
+<p:sld xmlns:a="http://schemas.openxmlformats.org/drawingml/2006/main" xmlns:r="http://schemas.openxmlformats.org/officeDocument/2006/relationships" xmlns:p="http://schemas.openxmlformats.org/presentationml/2006/main">
+  <p:cSld>
+    <p:spTree>
+      <p:nvGrpSpPr>
+        <p:cNvPr id="1" name=""/>
+        <p:cNvGrpSpPr/>
+        <p:nvPr/>
+      </p:nvGrpSpPr>
+      <p:grpSpPr>
+        <a:xfrm>
+          <a:off x="0" y="0"/>
+          <a:ext cx="0" cy="0"/>
+          <a:chOff x="0" y="0"/>
+          <a:chExt cx="0" cy="0"/>
+        </a:xfrm>
+      </p:grpSpPr>
+      <p:sp>
+        <p:nvSpPr>
+          <p:cNvPr id="2" name="제목 1"/>
+          <p:cNvSpPr>
+            <a:spLocks noGrp="1"/>
+          </p:cNvSpPr>
+          <p:nvPr>
+            <p:ph type="title"/>
+          </p:nvPr>
+        </p:nvSpPr>
+        <p:spPr/>
+        <p:txBody>
+          <a:bodyPr>
+            <a:normAutofit/>
+          </a:bodyPr>
+          <a:lstStyle/>
+          <a:p>
+            <a:r>
+              <a:rPr lang="en-US" altLang="ko-KR" sz="2800" dirty="0"/>
+              <a:t> </a:t>
+            </a:r>
+            <a:r>
+              <a:rPr lang="ko-KR" altLang="en-US" sz="2800" dirty="0" smtClean="0"/>
+              <a:t>네이버 </a:t>
+            </a:r>
+            <a:r>
+              <a:rPr lang="en-US" altLang="ko-KR" sz="2800" dirty="0" smtClean="0"/>
+              <a:t>API </a:t>
+            </a:r>
+            <a:r>
+              <a:rPr lang="ko-KR" altLang="en-US" sz="2800" dirty="0" smtClean="0"/>
+              <a:t>사용해보기</a:t>
+            </a:r>
+            <a:endParaRPr lang="ko-KR" altLang="en-US" sz="2800" dirty="0"/>
+          </a:p>
+        </p:txBody>
+      </p:sp>
+      <p:sp>
+        <p:nvSpPr>
+          <p:cNvPr id="4" name="슬라이드 번호 개체 틀 3"/>
+          <p:cNvSpPr>
+            <a:spLocks noGrp="1"/>
+          </p:cNvSpPr>
+          <p:nvPr>
+            <p:ph type="sldNum" sz="quarter" idx="12"/>
+          </p:nvPr>
+        </p:nvSpPr>
+        <p:spPr/>
+        <p:txBody>
+          <a:bodyPr/>
+          <a:lstStyle/>
+          <a:p>
+            <a:fld id="{1BDE3FE7-3AEA-4B05-AC5A-802D1816ACF0}" type="slidenum">
+              <a:rPr lang="ko-KR" altLang="en-US" smtClean="0"/>
+              <a:t>43</a:t>
+            </a:fld>
+            <a:endParaRPr lang="ko-KR" altLang="en-US"/>
+          </a:p>
+        </p:txBody>
+      </p:sp>
+      <p:pic>
+        <p:nvPicPr>
+          <p:cNvPr id="6" name="그림 5"/>
+          <p:cNvPicPr>
+            <a:picLocks noChangeAspect="1"/>
+          </p:cNvPicPr>
+          <p:nvPr/>
+        </p:nvPicPr>
+        <p:blipFill>
+          <a:blip r:embed="rId2">
+            <a:extLst>
+              <a:ext uri="{28A0092B-C50C-407E-A947-70E740481C1C}">
+                <a14:useLocalDpi xmlns:a14="http://schemas.microsoft.com/office/drawing/2010/main" val="0"/>
+              </a:ext>
+            </a:extLst>
+          </a:blip>
+          <a:stretch>
+            <a:fillRect/>
+          </a:stretch>
+        </p:blipFill>
+        <p:spPr>
+          <a:xfrm>
+            <a:off x="1280592" y="1484784"/>
+            <a:ext cx="6683319" cy="3970364"/>
+          </a:xfrm>
+          <a:prstGeom prst="rect">
+            <a:avLst/>
+          </a:prstGeom>
+          <a:ln>
+            <a:solidFill>
+              <a:schemeClr val="bg1">
+                <a:lumMod val="85000"/>
+              </a:schemeClr>
+            </a:solidFill>
+          </a:ln>
+        </p:spPr>
+      </p:pic>
+    </p:spTree>
+    <p:extLst>
+      <p:ext uri="{BB962C8B-B14F-4D97-AF65-F5344CB8AC3E}">
+        <p14:creationId xmlns:p14="http://schemas.microsoft.com/office/powerpoint/2010/main" val="4023887276"/>
+      </p:ext>
+    </p:extLst>
+  </p:cSld>
+  <p:clrMapOvr>
+    <a:masterClrMapping/>
+  </p:clrMapOvr>
+  <p:timing>
+    <p:tnLst>
+      <p:par>
+        <p:cTn id="1" dur="indefinite" restart="never" nodeType="tmRoot"/>
+      </p:par>
+    </p:tnLst>
+  </p:timing>
+</p:sld>
+</file>
+
+<file path=ppt/slides/slide44.xml><?xml version="1.0" encoding="utf-8"?>
+<p:sld xmlns:a="http://schemas.openxmlformats.org/drawingml/2006/main" xmlns:r="http://schemas.openxmlformats.org/officeDocument/2006/relationships" xmlns:p="http://schemas.openxmlformats.org/presentationml/2006/main">
+  <p:cSld>
+    <p:spTree>
+      <p:nvGrpSpPr>
+        <p:cNvPr id="1" name=""/>
+        <p:cNvGrpSpPr/>
+        <p:nvPr/>
+      </p:nvGrpSpPr>
+      <p:grpSpPr>
+        <a:xfrm>
+          <a:off x="0" y="0"/>
+          <a:ext cx="0" cy="0"/>
+          <a:chOff x="0" y="0"/>
+          <a:chExt cx="0" cy="0"/>
+        </a:xfrm>
+      </p:grpSpPr>
+      <p:sp>
+        <p:nvSpPr>
+          <p:cNvPr id="2" name="제목 1"/>
+          <p:cNvSpPr>
+            <a:spLocks noGrp="1"/>
+          </p:cNvSpPr>
+          <p:nvPr>
+            <p:ph type="title"/>
+          </p:nvPr>
+        </p:nvSpPr>
+        <p:spPr/>
+        <p:txBody>
+          <a:bodyPr>
+            <a:normAutofit/>
+          </a:bodyPr>
+          <a:lstStyle/>
+          <a:p>
+            <a:r>
+              <a:rPr lang="en-US" altLang="ko-KR" sz="2800" dirty="0"/>
+              <a:t> </a:t>
+            </a:r>
+            <a:r>
+              <a:rPr lang="ko-KR" altLang="en-US" sz="2800" dirty="0" smtClean="0"/>
+              <a:t>네이버 </a:t>
+            </a:r>
+            <a:r>
+              <a:rPr lang="en-US" altLang="ko-KR" sz="2800" dirty="0" smtClean="0"/>
+              <a:t>API </a:t>
+            </a:r>
+            <a:r>
+              <a:rPr lang="ko-KR" altLang="en-US" sz="2800" dirty="0" smtClean="0"/>
+              <a:t>사용해보기</a:t>
+            </a:r>
+            <a:endParaRPr lang="ko-KR" altLang="en-US" sz="2800" dirty="0"/>
+          </a:p>
+        </p:txBody>
+      </p:sp>
+      <p:sp>
+        <p:nvSpPr>
+          <p:cNvPr id="4" name="슬라이드 번호 개체 틀 3"/>
+          <p:cNvSpPr>
+            <a:spLocks noGrp="1"/>
+          </p:cNvSpPr>
+          <p:nvPr>
+            <p:ph type="sldNum" sz="quarter" idx="12"/>
+          </p:nvPr>
+        </p:nvSpPr>
+        <p:spPr/>
+        <p:txBody>
+          <a:bodyPr/>
+          <a:lstStyle/>
+          <a:p>
+            <a:fld id="{1BDE3FE7-3AEA-4B05-AC5A-802D1816ACF0}" type="slidenum">
+              <a:rPr lang="ko-KR" altLang="en-US" smtClean="0"/>
+              <a:t>44</a:t>
+            </a:fld>
+            <a:endParaRPr lang="ko-KR" altLang="en-US"/>
+          </a:p>
+        </p:txBody>
+      </p:sp>
+      <p:pic>
+        <p:nvPicPr>
+          <p:cNvPr id="3" name="그림 2"/>
+          <p:cNvPicPr>
+            <a:picLocks noChangeAspect="1"/>
+          </p:cNvPicPr>
+          <p:nvPr/>
+        </p:nvPicPr>
+        <p:blipFill rotWithShape="1">
+          <a:blip r:embed="rId2">
+            <a:extLst>
+              <a:ext uri="{28A0092B-C50C-407E-A947-70E740481C1C}">
+                <a14:useLocalDpi xmlns:a14="http://schemas.microsoft.com/office/drawing/2010/main" val="0"/>
+              </a:ext>
+            </a:extLst>
+          </a:blip>
+          <a:srcRect r="16589"/>
+          <a:stretch/>
+        </p:blipFill>
+        <p:spPr>
+          <a:xfrm>
+            <a:off x="992560" y="1412776"/>
+            <a:ext cx="7958296" cy="4549534"/>
+          </a:xfrm>
+          <a:prstGeom prst="rect">
+            <a:avLst/>
+          </a:prstGeom>
+        </p:spPr>
+      </p:pic>
+    </p:spTree>
+    <p:extLst>
+      <p:ext uri="{BB962C8B-B14F-4D97-AF65-F5344CB8AC3E}">
+        <p14:creationId xmlns:p14="http://schemas.microsoft.com/office/powerpoint/2010/main" val="501058662"/>
+      </p:ext>
+    </p:extLst>
+  </p:cSld>
+  <p:clrMapOvr>
+    <a:masterClrMapping/>
+  </p:clrMapOvr>
+  <p:timing>
+    <p:tnLst>
+      <p:par>
+        <p:cTn id="1" dur="indefinite" restart="never" nodeType="tmRoot"/>
+      </p:par>
+    </p:tnLst>
+  </p:timing>
+</p:sld>
+</file>
+
+<file path=ppt/slides/slide45.xml><?xml version="1.0" encoding="utf-8"?>
+<p:sld xmlns:a="http://schemas.openxmlformats.org/drawingml/2006/main" xmlns:r="http://schemas.openxmlformats.org/officeDocument/2006/relationships" xmlns:p="http://schemas.openxmlformats.org/presentationml/2006/main">
+  <p:cSld>
+    <p:spTree>
+      <p:nvGrpSpPr>
+        <p:cNvPr id="1" name=""/>
+        <p:cNvGrpSpPr/>
+        <p:nvPr/>
+      </p:nvGrpSpPr>
+      <p:grpSpPr>
+        <a:xfrm>
+          <a:off x="0" y="0"/>
+          <a:ext cx="0" cy="0"/>
+          <a:chOff x="0" y="0"/>
+          <a:chExt cx="0" cy="0"/>
+        </a:xfrm>
+      </p:grpSpPr>
+      <p:sp>
+        <p:nvSpPr>
+          <p:cNvPr id="2" name="제목 1"/>
+          <p:cNvSpPr>
+            <a:spLocks noGrp="1"/>
+          </p:cNvSpPr>
+          <p:nvPr>
+            <p:ph type="title"/>
+          </p:nvPr>
+        </p:nvSpPr>
+        <p:spPr/>
+        <p:txBody>
+          <a:bodyPr>
+            <a:normAutofit/>
+          </a:bodyPr>
+          <a:lstStyle/>
+          <a:p>
+            <a:r>
+              <a:rPr lang="en-US" altLang="ko-KR" sz="2800" dirty="0"/>
+              <a:t> </a:t>
+            </a:r>
+            <a:r>
+              <a:rPr lang="ko-KR" altLang="en-US" sz="2800" dirty="0" smtClean="0"/>
+              <a:t>네이버 </a:t>
+            </a:r>
+            <a:r>
+              <a:rPr lang="en-US" altLang="ko-KR" sz="2800" dirty="0" smtClean="0"/>
+              <a:t>API </a:t>
+            </a:r>
+            <a:r>
+              <a:rPr lang="ko-KR" altLang="en-US" sz="2800" dirty="0" smtClean="0"/>
+              <a:t>사용해보기</a:t>
+            </a:r>
+            <a:endParaRPr lang="ko-KR" altLang="en-US" sz="2800" dirty="0"/>
+          </a:p>
+        </p:txBody>
+      </p:sp>
+      <p:sp>
+        <p:nvSpPr>
+          <p:cNvPr id="4" name="슬라이드 번호 개체 틀 3"/>
+          <p:cNvSpPr>
+            <a:spLocks noGrp="1"/>
+          </p:cNvSpPr>
+          <p:nvPr>
+            <p:ph type="sldNum" sz="quarter" idx="12"/>
+          </p:nvPr>
+        </p:nvSpPr>
+        <p:spPr/>
+        <p:txBody>
+          <a:bodyPr/>
+          <a:lstStyle/>
+          <a:p>
+            <a:fld id="{1BDE3FE7-3AEA-4B05-AC5A-802D1816ACF0}" type="slidenum">
+              <a:rPr lang="ko-KR" altLang="en-US" smtClean="0"/>
+              <a:t>45</a:t>
+            </a:fld>
+            <a:endParaRPr lang="ko-KR" altLang="en-US"/>
+          </a:p>
+        </p:txBody>
+      </p:sp>
+      <p:pic>
+        <p:nvPicPr>
+          <p:cNvPr id="5" name="그림 4"/>
+          <p:cNvPicPr>
+            <a:picLocks noChangeAspect="1"/>
+          </p:cNvPicPr>
+          <p:nvPr/>
+        </p:nvPicPr>
+        <p:blipFill>
+          <a:blip r:embed="rId2">
+            <a:extLst>
+              <a:ext uri="{28A0092B-C50C-407E-A947-70E740481C1C}">
+                <a14:useLocalDpi xmlns:a14="http://schemas.microsoft.com/office/drawing/2010/main" val="0"/>
+              </a:ext>
+            </a:extLst>
+          </a:blip>
+          <a:stretch>
+            <a:fillRect/>
+          </a:stretch>
+        </p:blipFill>
+        <p:spPr>
+          <a:xfrm>
+            <a:off x="1064568" y="1484784"/>
+            <a:ext cx="7338696" cy="3063505"/>
+          </a:xfrm>
+          <a:prstGeom prst="rect">
+            <a:avLst/>
+          </a:prstGeom>
+          <a:ln>
+            <a:solidFill>
+              <a:schemeClr val="bg1">
+                <a:lumMod val="85000"/>
+              </a:schemeClr>
+            </a:solidFill>
+          </a:ln>
+        </p:spPr>
+      </p:pic>
+    </p:spTree>
+    <p:extLst>
+      <p:ext uri="{BB962C8B-B14F-4D97-AF65-F5344CB8AC3E}">
+        <p14:creationId xmlns:p14="http://schemas.microsoft.com/office/powerpoint/2010/main" val="362276912"/>
+      </p:ext>
+    </p:extLst>
+  </p:cSld>
+  <p:clrMapOvr>
+    <a:masterClrMapping/>
+  </p:clrMapOvr>
+  <p:timing>
+    <p:tnLst>
+      <p:par>
+        <p:cTn id="1" dur="indefinite" restart="never" nodeType="tmRoot"/>
+      </p:par>
+    </p:tnLst>
+  </p:timing>
+</p:sld>
+</file>
+
+<file path=ppt/slides/slide46.xml><?xml version="1.0" encoding="utf-8"?>
+<p:sld xmlns:a="http://schemas.openxmlformats.org/drawingml/2006/main" xmlns:r="http://schemas.openxmlformats.org/officeDocument/2006/relationships" xmlns:p="http://schemas.openxmlformats.org/presentationml/2006/main">
+  <p:cSld>
+    <p:spTree>
+      <p:nvGrpSpPr>
+        <p:cNvPr id="1" name=""/>
+        <p:cNvGrpSpPr/>
+        <p:nvPr/>
+      </p:nvGrpSpPr>
+      <p:grpSpPr>
+        <a:xfrm>
+          <a:off x="0" y="0"/>
+          <a:ext cx="0" cy="0"/>
+          <a:chOff x="0" y="0"/>
+          <a:chExt cx="0" cy="0"/>
+        </a:xfrm>
+      </p:grpSpPr>
+      <p:sp>
+        <p:nvSpPr>
+          <p:cNvPr id="2" name="제목 1"/>
+          <p:cNvSpPr>
+            <a:spLocks noGrp="1"/>
+          </p:cNvSpPr>
+          <p:nvPr>
+            <p:ph type="title"/>
+          </p:nvPr>
+        </p:nvSpPr>
+        <p:spPr/>
+        <p:txBody>
+          <a:bodyPr>
+            <a:normAutofit/>
+          </a:bodyPr>
+          <a:lstStyle/>
+          <a:p>
+            <a:r>
+              <a:rPr lang="en-US" altLang="ko-KR" sz="2800" dirty="0"/>
+              <a:t> </a:t>
+            </a:r>
+            <a:r>
+              <a:rPr lang="ko-KR" altLang="en-US" sz="2800" dirty="0" smtClean="0"/>
+              <a:t>네이버 </a:t>
+            </a:r>
+            <a:r>
+              <a:rPr lang="en-US" altLang="ko-KR" sz="2800" dirty="0" smtClean="0"/>
+              <a:t>API </a:t>
+            </a:r>
+            <a:r>
+              <a:rPr lang="ko-KR" altLang="en-US" sz="2800" dirty="0" smtClean="0"/>
+              <a:t>사용해보기</a:t>
+            </a:r>
+            <a:endParaRPr lang="ko-KR" altLang="en-US" sz="2800" dirty="0"/>
+          </a:p>
+        </p:txBody>
+      </p:sp>
+      <p:sp>
+        <p:nvSpPr>
+          <p:cNvPr id="4" name="슬라이드 번호 개체 틀 3"/>
+          <p:cNvSpPr>
+            <a:spLocks noGrp="1"/>
+          </p:cNvSpPr>
+          <p:nvPr>
+            <p:ph type="sldNum" sz="quarter" idx="12"/>
+          </p:nvPr>
+        </p:nvSpPr>
+        <p:spPr/>
+        <p:txBody>
+          <a:bodyPr/>
+          <a:lstStyle/>
+          <a:p>
+            <a:fld id="{1BDE3FE7-3AEA-4B05-AC5A-802D1816ACF0}" type="slidenum">
+              <a:rPr lang="ko-KR" altLang="en-US" smtClean="0"/>
+              <a:t>46</a:t>
+            </a:fld>
+            <a:endParaRPr lang="ko-KR" altLang="en-US"/>
+          </a:p>
+        </p:txBody>
+      </p:sp>
+      <p:pic>
+        <p:nvPicPr>
+          <p:cNvPr id="3" name="그림 2"/>
+          <p:cNvPicPr>
+            <a:picLocks noChangeAspect="1"/>
+          </p:cNvPicPr>
+          <p:nvPr/>
+        </p:nvPicPr>
+        <p:blipFill>
+          <a:blip r:embed="rId2">
+            <a:extLst>
+              <a:ext uri="{28A0092B-C50C-407E-A947-70E740481C1C}">
+                <a14:useLocalDpi xmlns:a14="http://schemas.microsoft.com/office/drawing/2010/main" val="0"/>
+              </a:ext>
+            </a:extLst>
+          </a:blip>
+          <a:stretch>
+            <a:fillRect/>
+          </a:stretch>
+        </p:blipFill>
+        <p:spPr>
+          <a:xfrm>
+            <a:off x="992560" y="1268760"/>
+            <a:ext cx="7658764" cy="4953429"/>
+          </a:xfrm>
+          <a:prstGeom prst="rect">
+            <a:avLst/>
+          </a:prstGeom>
+          <a:ln>
+            <a:solidFill>
+              <a:schemeClr val="bg1">
+                <a:lumMod val="85000"/>
+              </a:schemeClr>
+            </a:solidFill>
+          </a:ln>
+        </p:spPr>
+      </p:pic>
+    </p:spTree>
+    <p:extLst>
+      <p:ext uri="{BB962C8B-B14F-4D97-AF65-F5344CB8AC3E}">
+        <p14:creationId xmlns:p14="http://schemas.microsoft.com/office/powerpoint/2010/main" val="1140452049"/>
+      </p:ext>
+    </p:extLst>
+  </p:cSld>
+  <p:clrMapOvr>
+    <a:masterClrMapping/>
+  </p:clrMapOvr>
+  <p:timing>
+    <p:tnLst>
+      <p:par>
+        <p:cTn id="1" dur="indefinite" restart="never" nodeType="tmRoot"/>
+      </p:par>
+    </p:tnLst>
+  </p:timing>
+</p:sld>
+</file>
+
+<file path=ppt/slides/slide47.xml><?xml version="1.0" encoding="utf-8"?>
+<p:sld xmlns:a="http://schemas.openxmlformats.org/drawingml/2006/main" xmlns:r="http://schemas.openxmlformats.org/officeDocument/2006/relationships" xmlns:p="http://schemas.openxmlformats.org/presentationml/2006/main">
+  <p:cSld>
+    <p:spTree>
+      <p:nvGrpSpPr>
+        <p:cNvPr id="1" name=""/>
+        <p:cNvGrpSpPr/>
+        <p:nvPr/>
+      </p:nvGrpSpPr>
+      <p:grpSpPr>
+        <a:xfrm>
+          <a:off x="0" y="0"/>
+          <a:ext cx="0" cy="0"/>
+          <a:chOff x="0" y="0"/>
+          <a:chExt cx="0" cy="0"/>
+        </a:xfrm>
+      </p:grpSpPr>
+      <p:sp>
+        <p:nvSpPr>
+          <p:cNvPr id="2" name="제목 1"/>
+          <p:cNvSpPr>
+            <a:spLocks noGrp="1"/>
+          </p:cNvSpPr>
+          <p:nvPr>
+            <p:ph type="title"/>
+          </p:nvPr>
+        </p:nvSpPr>
+        <p:spPr/>
+        <p:txBody>
+          <a:bodyPr>
+            <a:normAutofit/>
+          </a:bodyPr>
+          <a:lstStyle/>
+          <a:p>
+            <a:r>
+              <a:rPr lang="en-US" altLang="ko-KR" sz="2800" dirty="0"/>
+              <a:t> </a:t>
+            </a:r>
+            <a:r>
+              <a:rPr lang="ko-KR" altLang="en-US" sz="2800" dirty="0" smtClean="0"/>
+              <a:t>네이버 </a:t>
+            </a:r>
+            <a:r>
+              <a:rPr lang="en-US" altLang="ko-KR" sz="2800" dirty="0" smtClean="0"/>
+              <a:t>API </a:t>
+            </a:r>
+            <a:r>
+              <a:rPr lang="ko-KR" altLang="en-US" sz="2800" dirty="0" smtClean="0"/>
+              <a:t>사용해보기</a:t>
+            </a:r>
+            <a:endParaRPr lang="ko-KR" altLang="en-US" sz="2800" dirty="0"/>
+          </a:p>
+        </p:txBody>
+      </p:sp>
+      <p:sp>
+        <p:nvSpPr>
+          <p:cNvPr id="4" name="슬라이드 번호 개체 틀 3"/>
+          <p:cNvSpPr>
+            <a:spLocks noGrp="1"/>
+          </p:cNvSpPr>
+          <p:nvPr>
+            <p:ph type="sldNum" sz="quarter" idx="12"/>
+          </p:nvPr>
+        </p:nvSpPr>
+        <p:spPr/>
+        <p:txBody>
+          <a:bodyPr/>
+          <a:lstStyle/>
+          <a:p>
+            <a:fld id="{1BDE3FE7-3AEA-4B05-AC5A-802D1816ACF0}" type="slidenum">
+              <a:rPr lang="ko-KR" altLang="en-US" smtClean="0"/>
+              <a:t>47</a:t>
+            </a:fld>
+            <a:endParaRPr lang="ko-KR" altLang="en-US"/>
+          </a:p>
+        </p:txBody>
+      </p:sp>
+      <p:pic>
+        <p:nvPicPr>
+          <p:cNvPr id="5" name="그림 4"/>
+          <p:cNvPicPr>
+            <a:picLocks noChangeAspect="1"/>
+          </p:cNvPicPr>
+          <p:nvPr/>
+        </p:nvPicPr>
+        <p:blipFill>
+          <a:blip r:embed="rId2">
+            <a:extLst>
+              <a:ext uri="{28A0092B-C50C-407E-A947-70E740481C1C}">
+                <a14:useLocalDpi xmlns:a14="http://schemas.microsoft.com/office/drawing/2010/main" val="0"/>
+              </a:ext>
+            </a:extLst>
+          </a:blip>
+          <a:stretch>
+            <a:fillRect/>
+          </a:stretch>
+        </p:blipFill>
+        <p:spPr>
+          <a:xfrm>
+            <a:off x="887377" y="1405714"/>
+            <a:ext cx="8131245" cy="4046571"/>
+          </a:xfrm>
+          <a:prstGeom prst="rect">
+            <a:avLst/>
+          </a:prstGeom>
+          <a:ln>
+            <a:solidFill>
+              <a:schemeClr val="bg1">
+                <a:lumMod val="85000"/>
+              </a:schemeClr>
+            </a:solidFill>
+          </a:ln>
+        </p:spPr>
+      </p:pic>
+    </p:spTree>
+    <p:extLst>
+      <p:ext uri="{BB962C8B-B14F-4D97-AF65-F5344CB8AC3E}">
+        <p14:creationId xmlns:p14="http://schemas.microsoft.com/office/powerpoint/2010/main" val="616394786"/>
       </p:ext>
     </p:extLst>
   </p:cSld>

--- a/pyWorks/자료/python_ppt/Python 14장. 데이터 분석 및 시각화2 .pptx
+++ b/pyWorks/자료/python_ppt/Python 14장. 데이터 분석 및 시각화2 .pptx
@@ -5,7 +5,7 @@
     <p:sldMasterId id="2147483648" r:id="rId1"/>
   </p:sldMasterIdLst>
   <p:notesMasterIdLst>
-    <p:notesMasterId r:id="rId49"/>
+    <p:notesMasterId r:id="rId60"/>
   </p:notesMasterIdLst>
   <p:sldIdLst>
     <p:sldId id="256" r:id="rId2"/>
@@ -55,6 +55,17 @@
     <p:sldId id="369" r:id="rId46"/>
     <p:sldId id="370" r:id="rId47"/>
     <p:sldId id="371" r:id="rId48"/>
+    <p:sldId id="380" r:id="rId49"/>
+    <p:sldId id="381" r:id="rId50"/>
+    <p:sldId id="382" r:id="rId51"/>
+    <p:sldId id="384" r:id="rId52"/>
+    <p:sldId id="383" r:id="rId53"/>
+    <p:sldId id="374" r:id="rId54"/>
+    <p:sldId id="375" r:id="rId55"/>
+    <p:sldId id="376" r:id="rId56"/>
+    <p:sldId id="377" r:id="rId57"/>
+    <p:sldId id="378" r:id="rId58"/>
+    <p:sldId id="379" r:id="rId59"/>
   </p:sldIdLst>
   <p:sldSz cx="9906000" cy="6858000" type="A4"/>
   <p:notesSz cx="6858000" cy="9144000"/>
@@ -254,7 +265,7 @@
           <a:p>
             <a:fld id="{7665CDAC-D627-4E87-877A-1B781DD4CADC}" type="datetimeFigureOut">
               <a:rPr lang="ko-KR" altLang="en-US" smtClean="0"/>
-              <a:t>2023-05-12</a:t>
+              <a:t>2023-05-15</a:t>
             </a:fld>
             <a:endParaRPr lang="ko-KR" altLang="en-US"/>
           </a:p>
@@ -666,7 +677,7 @@
           <a:p>
             <a:fld id="{C25BCFD5-C4DF-4EBC-B718-C69ED2FBDE6F}" type="datetime1">
               <a:rPr lang="ko-KR" altLang="en-US" smtClean="0"/>
-              <a:t>2023-05-12</a:t>
+              <a:t>2023-05-15</a:t>
             </a:fld>
             <a:endParaRPr lang="ko-KR" altLang="en-US"/>
           </a:p>
@@ -1110,7 +1121,7 @@
           <a:p>
             <a:fld id="{AB448CD7-D367-43D5-B461-ACE552E75063}" type="datetime1">
               <a:rPr lang="ko-KR" altLang="en-US" smtClean="0"/>
-              <a:t>2023-05-12</a:t>
+              <a:t>2023-05-15</a:t>
             </a:fld>
             <a:endParaRPr lang="ko-KR" altLang="en-US"/>
           </a:p>
@@ -1288,7 +1299,7 @@
           <a:p>
             <a:fld id="{B6E49E79-7361-4780-8BEF-7EDE3708298A}" type="datetime1">
               <a:rPr lang="ko-KR" altLang="en-US" smtClean="0"/>
-              <a:t>2023-05-12</a:t>
+              <a:t>2023-05-15</a:t>
             </a:fld>
             <a:endParaRPr lang="ko-KR" altLang="en-US"/>
           </a:p>
@@ -1460,7 +1471,7 @@
           <a:p>
             <a:fld id="{A4D42E3C-B70B-437C-85CF-1286301B9CBA}" type="datetime1">
               <a:rPr lang="ko-KR" altLang="en-US" smtClean="0"/>
-              <a:t>2023-05-12</a:t>
+              <a:t>2023-05-15</a:t>
             </a:fld>
             <a:endParaRPr lang="ko-KR" altLang="en-US"/>
           </a:p>
@@ -1705,7 +1716,7 @@
           <a:p>
             <a:fld id="{B3369A20-5B3D-4D98-A822-26B93D177A40}" type="datetime1">
               <a:rPr lang="ko-KR" altLang="en-US" smtClean="0"/>
-              <a:t>2023-05-12</a:t>
+              <a:t>2023-05-15</a:t>
             </a:fld>
             <a:endParaRPr lang="ko-KR" altLang="en-US"/>
           </a:p>
@@ -1990,7 +2001,7 @@
           <a:p>
             <a:fld id="{685CD4CE-9E43-4F70-A9D8-A2130CA7D92A}" type="datetime1">
               <a:rPr lang="ko-KR" altLang="en-US" smtClean="0"/>
-              <a:t>2023-05-12</a:t>
+              <a:t>2023-05-15</a:t>
             </a:fld>
             <a:endParaRPr lang="ko-KR" altLang="en-US"/>
           </a:p>
@@ -2409,7 +2420,7 @@
           <a:p>
             <a:fld id="{F752BD92-DA3E-4A0B-90C9-7DE5E15B6E96}" type="datetime1">
               <a:rPr lang="ko-KR" altLang="en-US" smtClean="0"/>
-              <a:t>2023-05-12</a:t>
+              <a:t>2023-05-15</a:t>
             </a:fld>
             <a:endParaRPr lang="ko-KR" altLang="en-US"/>
           </a:p>
@@ -2526,7 +2537,7 @@
           <a:p>
             <a:fld id="{8EA2B83A-F366-424E-B742-340ACF856BB5}" type="datetime1">
               <a:rPr lang="ko-KR" altLang="en-US" smtClean="0"/>
-              <a:t>2023-05-12</a:t>
+              <a:t>2023-05-15</a:t>
             </a:fld>
             <a:endParaRPr lang="ko-KR" altLang="en-US"/>
           </a:p>
@@ -2621,7 +2632,7 @@
           <a:p>
             <a:fld id="{9A49D68B-5DBD-48E9-A8D4-FCBC4B3DD9C6}" type="datetime1">
               <a:rPr lang="ko-KR" altLang="en-US" smtClean="0"/>
-              <a:t>2023-05-12</a:t>
+              <a:t>2023-05-15</a:t>
             </a:fld>
             <a:endParaRPr lang="ko-KR" altLang="en-US"/>
           </a:p>
@@ -2896,7 +2907,7 @@
           <a:p>
             <a:fld id="{4CAB534F-7D16-467B-9320-91F98915D181}" type="datetime1">
               <a:rPr lang="ko-KR" altLang="en-US" smtClean="0"/>
-              <a:t>2023-05-12</a:t>
+              <a:t>2023-05-15</a:t>
             </a:fld>
             <a:endParaRPr lang="ko-KR" altLang="en-US"/>
           </a:p>
@@ -3148,7 +3159,7 @@
           <a:p>
             <a:fld id="{A390A91F-2F8D-4486-A69D-D680F95444B0}" type="datetime1">
               <a:rPr lang="ko-KR" altLang="en-US" smtClean="0"/>
-              <a:t>2023-05-12</a:t>
+              <a:t>2023-05-15</a:t>
             </a:fld>
             <a:endParaRPr lang="ko-KR" altLang="en-US"/>
           </a:p>
@@ -3327,7 +3338,7 @@
           <a:p>
             <a:fld id="{2238BBEA-E8DD-414A-BF68-FC2AFA7CFF2D}" type="datetime1">
               <a:rPr lang="ko-KR" altLang="en-US" smtClean="0"/>
-              <a:t>2023-05-12</a:t>
+              <a:t>2023-05-15</a:t>
             </a:fld>
             <a:endParaRPr lang="ko-KR" altLang="en-US"/>
           </a:p>
@@ -11890,14 +11901,14 @@
           <p:nvPr>
             <p:extLst>
               <p:ext uri="{D42A27DB-BD31-4B8C-83A1-F6EECF244321}">
-                <p14:modId xmlns:p14="http://schemas.microsoft.com/office/powerpoint/2010/main" val="442746061"/>
+                <p14:modId xmlns:p14="http://schemas.microsoft.com/office/powerpoint/2010/main" val="2586410413"/>
               </p:ext>
             </p:extLst>
           </p:nvPr>
         </p:nvGraphicFramePr>
         <p:xfrm>
           <a:off x="1280592" y="2043756"/>
-          <a:ext cx="7344816" cy="2537370"/>
+          <a:ext cx="7344816" cy="3401466"/>
         </p:xfrm>
         <a:graphic>
           <a:graphicData uri="http://schemas.openxmlformats.org/drawingml/2006/table">
@@ -11921,7 +11932,7 @@
                   </a:extLst>
                 </a:gridCol>
               </a:tblGrid>
-              <a:tr h="507474">
+              <a:tr h="566911">
                 <a:tc>
                   <a:txBody>
                     <a:bodyPr/>
@@ -11962,7 +11973,7 @@
                   </a:ext>
                 </a:extLst>
               </a:tr>
-              <a:tr h="507474">
+              <a:tr h="566911">
                 <a:tc>
                   <a:txBody>
                     <a:bodyPr/>
@@ -12019,7 +12030,7 @@
                   </a:ext>
                 </a:extLst>
               </a:tr>
-              <a:tr h="507474">
+              <a:tr h="566911">
                 <a:tc>
                   <a:txBody>
                     <a:bodyPr/>
@@ -12076,7 +12087,7 @@
                   </a:ext>
                 </a:extLst>
               </a:tr>
-              <a:tr h="507474">
+              <a:tr h="566911">
                 <a:tc>
                   <a:txBody>
                     <a:bodyPr/>
@@ -12133,7 +12144,7 @@
                   </a:ext>
                 </a:extLst>
               </a:tr>
-              <a:tr h="507474">
+              <a:tr h="566911">
                 <a:tc>
                   <a:txBody>
                     <a:bodyPr/>
@@ -12187,6 +12198,63 @@
                 <a:extLst>
                   <a:ext uri="{0D108BD9-81ED-4DB2-BD59-A6C34878D82A}">
                     <a16:rowId xmlns:a16="http://schemas.microsoft.com/office/drawing/2014/main" val="828900034"/>
+                  </a:ext>
+                </a:extLst>
+              </a:tr>
+              <a:tr h="566911">
+                <a:tc>
+                  <a:txBody>
+                    <a:bodyPr/>
+                    <a:lstStyle/>
+                    <a:p>
+                      <a:pPr algn="ctr" latinLnBrk="1"/>
+                      <a:r>
+                        <a:rPr lang="ko-KR" altLang="en-US" dirty="0" smtClean="0"/>
+                        <a:t>얼굴인식</a:t>
+                      </a:r>
+                      <a:endParaRPr lang="ko-KR" altLang="en-US" dirty="0"/>
+                    </a:p>
+                  </a:txBody>
+                  <a:tcPr anchor="ctr">
+                    <a:solidFill>
+                      <a:srgbClr val="FFFF00"/>
+                    </a:solidFill>
+                  </a:tcPr>
+                </a:tc>
+                <a:tc>
+                  <a:txBody>
+                    <a:bodyPr/>
+                    <a:lstStyle/>
+                    <a:p>
+                      <a:pPr marL="0" marR="0" lvl="0" indent="0" algn="l" defTabSz="914400" rtl="0" eaLnBrk="1" fontAlgn="auto" latinLnBrk="1" hangingPunct="1">
+                        <a:lnSpc>
+                          <a:spcPct val="100000"/>
+                        </a:lnSpc>
+                        <a:spcBef>
+                          <a:spcPts val="0"/>
+                        </a:spcBef>
+                        <a:spcAft>
+                          <a:spcPts val="0"/>
+                        </a:spcAft>
+                        <a:buClrTx/>
+                        <a:buSzTx/>
+                        <a:buFontTx/>
+                        <a:buNone/>
+                        <a:tabLst/>
+                        <a:defRPr/>
+                      </a:pPr>
+                      <a:r>
+                        <a:rPr lang="en-US" altLang="ko-KR" dirty="0" smtClean="0"/>
+                        <a:t> https://openapi.naver.com/v1/vision/celebrity</a:t>
+                      </a:r>
+                      <a:endParaRPr lang="ko-KR" altLang="en-US" dirty="0" smtClean="0"/>
+                    </a:p>
+                  </a:txBody>
+                  <a:tcPr anchor="ctr"/>
+                </a:tc>
+                <a:extLst>
+                  <a:ext uri="{0D108BD9-81ED-4DB2-BD59-A6C34878D82A}">
+                    <a16:rowId xmlns:a16="http://schemas.microsoft.com/office/drawing/2014/main" val="347974809"/>
                   </a:ext>
                 </a:extLst>
               </a:tr>
@@ -13137,6 +13205,390 @@
 </p:sld>
 </file>
 
+<file path=ppt/slides/slide48.xml><?xml version="1.0" encoding="utf-8"?>
+<p:sld xmlns:a="http://schemas.openxmlformats.org/drawingml/2006/main" xmlns:r="http://schemas.openxmlformats.org/officeDocument/2006/relationships" xmlns:p="http://schemas.openxmlformats.org/presentationml/2006/main">
+  <p:cSld>
+    <p:spTree>
+      <p:nvGrpSpPr>
+        <p:cNvPr id="1" name=""/>
+        <p:cNvGrpSpPr/>
+        <p:nvPr/>
+      </p:nvGrpSpPr>
+      <p:grpSpPr>
+        <a:xfrm>
+          <a:off x="0" y="0"/>
+          <a:ext cx="0" cy="0"/>
+          <a:chOff x="0" y="0"/>
+          <a:chExt cx="0" cy="0"/>
+        </a:xfrm>
+      </p:grpSpPr>
+      <p:sp>
+        <p:nvSpPr>
+          <p:cNvPr id="2" name="제목 1"/>
+          <p:cNvSpPr>
+            <a:spLocks noGrp="1"/>
+          </p:cNvSpPr>
+          <p:nvPr>
+            <p:ph type="title"/>
+          </p:nvPr>
+        </p:nvSpPr>
+        <p:spPr/>
+        <p:txBody>
+          <a:bodyPr>
+            <a:normAutofit/>
+          </a:bodyPr>
+          <a:lstStyle/>
+          <a:p>
+            <a:r>
+              <a:rPr lang="en-US" altLang="ko-KR" sz="2800" dirty="0"/>
+              <a:t> </a:t>
+            </a:r>
+            <a:r>
+              <a:rPr lang="ko-KR" altLang="en-US" sz="2800" dirty="0" smtClean="0"/>
+              <a:t>네이버 </a:t>
+            </a:r>
+            <a:r>
+              <a:rPr lang="en-US" altLang="ko-KR" sz="2800" dirty="0" smtClean="0"/>
+              <a:t>API </a:t>
+            </a:r>
+            <a:r>
+              <a:rPr lang="ko-KR" altLang="en-US" sz="2800" dirty="0" smtClean="0"/>
+              <a:t>사용해보기</a:t>
+            </a:r>
+            <a:endParaRPr lang="ko-KR" altLang="en-US" sz="2800" dirty="0"/>
+          </a:p>
+        </p:txBody>
+      </p:sp>
+      <p:sp>
+        <p:nvSpPr>
+          <p:cNvPr id="4" name="슬라이드 번호 개체 틀 3"/>
+          <p:cNvSpPr>
+            <a:spLocks noGrp="1"/>
+          </p:cNvSpPr>
+          <p:nvPr>
+            <p:ph type="sldNum" sz="quarter" idx="12"/>
+          </p:nvPr>
+        </p:nvSpPr>
+        <p:spPr/>
+        <p:txBody>
+          <a:bodyPr/>
+          <a:lstStyle/>
+          <a:p>
+            <a:fld id="{1BDE3FE7-3AEA-4B05-AC5A-802D1816ACF0}" type="slidenum">
+              <a:rPr lang="ko-KR" altLang="en-US" smtClean="0"/>
+              <a:t>48</a:t>
+            </a:fld>
+            <a:endParaRPr lang="ko-KR" altLang="en-US"/>
+          </a:p>
+        </p:txBody>
+      </p:sp>
+      <p:pic>
+        <p:nvPicPr>
+          <p:cNvPr id="5" name="그림 4"/>
+          <p:cNvPicPr>
+            <a:picLocks noChangeAspect="1"/>
+          </p:cNvPicPr>
+          <p:nvPr/>
+        </p:nvPicPr>
+        <p:blipFill>
+          <a:blip r:embed="rId2">
+            <a:extLst>
+              <a:ext uri="{28A0092B-C50C-407E-A947-70E740481C1C}">
+                <a14:useLocalDpi xmlns:a14="http://schemas.microsoft.com/office/drawing/2010/main" val="0"/>
+              </a:ext>
+            </a:extLst>
+          </a:blip>
+          <a:stretch>
+            <a:fillRect/>
+          </a:stretch>
+        </p:blipFill>
+        <p:spPr>
+          <a:xfrm>
+            <a:off x="1784648" y="2060848"/>
+            <a:ext cx="5480590" cy="4178444"/>
+          </a:xfrm>
+          <a:prstGeom prst="rect">
+            <a:avLst/>
+          </a:prstGeom>
+          <a:ln>
+            <a:solidFill>
+              <a:schemeClr val="bg1">
+                <a:lumMod val="85000"/>
+              </a:schemeClr>
+            </a:solidFill>
+          </a:ln>
+        </p:spPr>
+      </p:pic>
+      <p:sp>
+        <p:nvSpPr>
+          <p:cNvPr id="6" name="TextBox 5"/>
+          <p:cNvSpPr txBox="1"/>
+          <p:nvPr/>
+        </p:nvSpPr>
+        <p:spPr>
+          <a:xfrm>
+            <a:off x="1280592" y="1380308"/>
+            <a:ext cx="6336704" cy="369332"/>
+          </a:xfrm>
+          <a:prstGeom prst="rect">
+            <a:avLst/>
+          </a:prstGeom>
+          <a:noFill/>
+        </p:spPr>
+        <p:txBody>
+          <a:bodyPr wrap="square" rtlCol="0">
+            <a:spAutoFit/>
+          </a:bodyPr>
+          <a:lstStyle/>
+          <a:p>
+            <a:r>
+              <a:rPr lang="ko-KR" altLang="en-US" dirty="0" smtClean="0"/>
+              <a:t>네이버 얼굴 인식</a:t>
+            </a:r>
+            <a:r>
+              <a:rPr lang="en-US" altLang="ko-KR" dirty="0" smtClean="0"/>
+              <a:t>(CFR)</a:t>
+            </a:r>
+            <a:r>
+              <a:rPr lang="ko-KR" altLang="en-US" dirty="0" smtClean="0"/>
+              <a:t> </a:t>
+            </a:r>
+            <a:r>
+              <a:rPr lang="en-US" altLang="ko-KR" dirty="0" smtClean="0"/>
+              <a:t>&gt; </a:t>
+            </a:r>
+            <a:r>
+              <a:rPr lang="ko-KR" altLang="en-US" dirty="0" smtClean="0"/>
+              <a:t>개발 가이드 </a:t>
+            </a:r>
+            <a:r>
+              <a:rPr lang="en-US" altLang="ko-KR" dirty="0" smtClean="0"/>
+              <a:t>&gt; CFR API </a:t>
+            </a:r>
+            <a:r>
+              <a:rPr lang="ko-KR" altLang="en-US" dirty="0" smtClean="0"/>
+              <a:t>레퍼런스</a:t>
+            </a:r>
+            <a:r>
+              <a:rPr lang="en-US" altLang="ko-KR" dirty="0" smtClean="0"/>
+              <a:t> </a:t>
+            </a:r>
+            <a:endParaRPr lang="ko-KR" altLang="en-US" dirty="0"/>
+          </a:p>
+        </p:txBody>
+      </p:sp>
+    </p:spTree>
+    <p:extLst>
+      <p:ext uri="{BB962C8B-B14F-4D97-AF65-F5344CB8AC3E}">
+        <p14:creationId xmlns:p14="http://schemas.microsoft.com/office/powerpoint/2010/main" val="292173213"/>
+      </p:ext>
+    </p:extLst>
+  </p:cSld>
+  <p:clrMapOvr>
+    <a:masterClrMapping/>
+  </p:clrMapOvr>
+  <p:timing>
+    <p:tnLst>
+      <p:par>
+        <p:cTn id="1" dur="indefinite" restart="never" nodeType="tmRoot"/>
+      </p:par>
+    </p:tnLst>
+  </p:timing>
+</p:sld>
+</file>
+
+<file path=ppt/slides/slide49.xml><?xml version="1.0" encoding="utf-8"?>
+<p:sld xmlns:a="http://schemas.openxmlformats.org/drawingml/2006/main" xmlns:r="http://schemas.openxmlformats.org/officeDocument/2006/relationships" xmlns:p="http://schemas.openxmlformats.org/presentationml/2006/main">
+  <p:cSld>
+    <p:spTree>
+      <p:nvGrpSpPr>
+        <p:cNvPr id="1" name=""/>
+        <p:cNvGrpSpPr/>
+        <p:nvPr/>
+      </p:nvGrpSpPr>
+      <p:grpSpPr>
+        <a:xfrm>
+          <a:off x="0" y="0"/>
+          <a:ext cx="0" cy="0"/>
+          <a:chOff x="0" y="0"/>
+          <a:chExt cx="0" cy="0"/>
+        </a:xfrm>
+      </p:grpSpPr>
+      <p:sp>
+        <p:nvSpPr>
+          <p:cNvPr id="2" name="제목 1"/>
+          <p:cNvSpPr>
+            <a:spLocks noGrp="1"/>
+          </p:cNvSpPr>
+          <p:nvPr>
+            <p:ph type="title"/>
+          </p:nvPr>
+        </p:nvSpPr>
+        <p:spPr/>
+        <p:txBody>
+          <a:bodyPr>
+            <a:normAutofit/>
+          </a:bodyPr>
+          <a:lstStyle/>
+          <a:p>
+            <a:r>
+              <a:rPr lang="en-US" altLang="ko-KR" sz="2800" dirty="0"/>
+              <a:t> </a:t>
+            </a:r>
+            <a:r>
+              <a:rPr lang="ko-KR" altLang="en-US" sz="2800" dirty="0" smtClean="0"/>
+              <a:t>네이버 </a:t>
+            </a:r>
+            <a:r>
+              <a:rPr lang="en-US" altLang="ko-KR" sz="2800" dirty="0" smtClean="0"/>
+              <a:t>API </a:t>
+            </a:r>
+            <a:r>
+              <a:rPr lang="ko-KR" altLang="en-US" sz="2800" dirty="0" smtClean="0"/>
+              <a:t>사용해보기</a:t>
+            </a:r>
+            <a:endParaRPr lang="ko-KR" altLang="en-US" sz="2800" dirty="0"/>
+          </a:p>
+        </p:txBody>
+      </p:sp>
+      <p:sp>
+        <p:nvSpPr>
+          <p:cNvPr id="4" name="슬라이드 번호 개체 틀 3"/>
+          <p:cNvSpPr>
+            <a:spLocks noGrp="1"/>
+          </p:cNvSpPr>
+          <p:nvPr>
+            <p:ph type="sldNum" sz="quarter" idx="12"/>
+          </p:nvPr>
+        </p:nvSpPr>
+        <p:spPr/>
+        <p:txBody>
+          <a:bodyPr/>
+          <a:lstStyle/>
+          <a:p>
+            <a:fld id="{1BDE3FE7-3AEA-4B05-AC5A-802D1816ACF0}" type="slidenum">
+              <a:rPr lang="ko-KR" altLang="en-US" smtClean="0"/>
+              <a:t>49</a:t>
+            </a:fld>
+            <a:endParaRPr lang="ko-KR" altLang="en-US"/>
+          </a:p>
+        </p:txBody>
+      </p:sp>
+      <p:sp>
+        <p:nvSpPr>
+          <p:cNvPr id="6" name="TextBox 5"/>
+          <p:cNvSpPr txBox="1"/>
+          <p:nvPr/>
+        </p:nvSpPr>
+        <p:spPr>
+          <a:xfrm>
+            <a:off x="1280592" y="1380308"/>
+            <a:ext cx="6336704" cy="369332"/>
+          </a:xfrm>
+          <a:prstGeom prst="rect">
+            <a:avLst/>
+          </a:prstGeom>
+          <a:noFill/>
+        </p:spPr>
+        <p:txBody>
+          <a:bodyPr wrap="square" rtlCol="0">
+            <a:spAutoFit/>
+          </a:bodyPr>
+          <a:lstStyle/>
+          <a:p>
+            <a:r>
+              <a:rPr lang="ko-KR" altLang="en-US" dirty="0" smtClean="0"/>
+              <a:t>네이버 얼굴 인식</a:t>
+            </a:r>
+            <a:r>
+              <a:rPr lang="en-US" altLang="ko-KR" dirty="0" smtClean="0"/>
+              <a:t>(CFR)</a:t>
+            </a:r>
+            <a:r>
+              <a:rPr lang="ko-KR" altLang="en-US" dirty="0" smtClean="0"/>
+              <a:t> </a:t>
+            </a:r>
+            <a:r>
+              <a:rPr lang="en-US" altLang="ko-KR" dirty="0" smtClean="0"/>
+              <a:t>&gt; </a:t>
+            </a:r>
+            <a:r>
+              <a:rPr lang="ko-KR" altLang="en-US" dirty="0" smtClean="0"/>
+              <a:t>개발 가이드 </a:t>
+            </a:r>
+            <a:r>
+              <a:rPr lang="en-US" altLang="ko-KR" dirty="0" smtClean="0"/>
+              <a:t>&gt; CFR API </a:t>
+            </a:r>
+            <a:r>
+              <a:rPr lang="ko-KR" altLang="en-US" dirty="0" smtClean="0"/>
+              <a:t>레퍼런스</a:t>
+            </a:r>
+            <a:r>
+              <a:rPr lang="en-US" altLang="ko-KR" dirty="0" smtClean="0"/>
+              <a:t> </a:t>
+            </a:r>
+            <a:endParaRPr lang="ko-KR" altLang="en-US" dirty="0"/>
+          </a:p>
+        </p:txBody>
+      </p:sp>
+      <p:pic>
+        <p:nvPicPr>
+          <p:cNvPr id="3" name="그림 2"/>
+          <p:cNvPicPr>
+            <a:picLocks noChangeAspect="1"/>
+          </p:cNvPicPr>
+          <p:nvPr/>
+        </p:nvPicPr>
+        <p:blipFill>
+          <a:blip r:embed="rId2">
+            <a:extLst>
+              <a:ext uri="{28A0092B-C50C-407E-A947-70E740481C1C}">
+                <a14:useLocalDpi xmlns:a14="http://schemas.microsoft.com/office/drawing/2010/main" val="0"/>
+              </a:ext>
+            </a:extLst>
+          </a:blip>
+          <a:stretch>
+            <a:fillRect/>
+          </a:stretch>
+        </p:blipFill>
+        <p:spPr>
+          <a:xfrm>
+            <a:off x="1856656" y="1927273"/>
+            <a:ext cx="5872278" cy="4526064"/>
+          </a:xfrm>
+          <a:prstGeom prst="rect">
+            <a:avLst/>
+          </a:prstGeom>
+          <a:ln>
+            <a:solidFill>
+              <a:schemeClr val="bg1">
+                <a:lumMod val="85000"/>
+              </a:schemeClr>
+            </a:solidFill>
+          </a:ln>
+        </p:spPr>
+      </p:pic>
+    </p:spTree>
+    <p:extLst>
+      <p:ext uri="{BB962C8B-B14F-4D97-AF65-F5344CB8AC3E}">
+        <p14:creationId xmlns:p14="http://schemas.microsoft.com/office/powerpoint/2010/main" val="2615300128"/>
+      </p:ext>
+    </p:extLst>
+  </p:cSld>
+  <p:clrMapOvr>
+    <a:masterClrMapping/>
+  </p:clrMapOvr>
+  <p:timing>
+    <p:tnLst>
+      <p:par>
+        <p:cTn id="1" dur="indefinite" restart="never" nodeType="tmRoot"/>
+      </p:par>
+    </p:tnLst>
+  </p:timing>
+</p:sld>
+</file>
+
 <file path=ppt/slides/slide5.xml><?xml version="1.0" encoding="utf-8"?>
 <p:sld xmlns:a="http://schemas.openxmlformats.org/drawingml/2006/main" xmlns:r="http://schemas.openxmlformats.org/officeDocument/2006/relationships" xmlns:p="http://schemas.openxmlformats.org/presentationml/2006/main">
   <p:cSld>
@@ -13433,6 +13885,1263 @@
     <p:extLst>
       <p:ext uri="{BB962C8B-B14F-4D97-AF65-F5344CB8AC3E}">
         <p14:creationId xmlns:p14="http://schemas.microsoft.com/office/powerpoint/2010/main" val="1198913960"/>
+      </p:ext>
+    </p:extLst>
+  </p:cSld>
+  <p:clrMapOvr>
+    <a:masterClrMapping/>
+  </p:clrMapOvr>
+  <p:timing>
+    <p:tnLst>
+      <p:par>
+        <p:cTn id="1" dur="indefinite" restart="never" nodeType="tmRoot"/>
+      </p:par>
+    </p:tnLst>
+  </p:timing>
+</p:sld>
+</file>
+
+<file path=ppt/slides/slide50.xml><?xml version="1.0" encoding="utf-8"?>
+<p:sld xmlns:a="http://schemas.openxmlformats.org/drawingml/2006/main" xmlns:r="http://schemas.openxmlformats.org/officeDocument/2006/relationships" xmlns:p="http://schemas.openxmlformats.org/presentationml/2006/main">
+  <p:cSld>
+    <p:spTree>
+      <p:nvGrpSpPr>
+        <p:cNvPr id="1" name=""/>
+        <p:cNvGrpSpPr/>
+        <p:nvPr/>
+      </p:nvGrpSpPr>
+      <p:grpSpPr>
+        <a:xfrm>
+          <a:off x="0" y="0"/>
+          <a:ext cx="0" cy="0"/>
+          <a:chOff x="0" y="0"/>
+          <a:chExt cx="0" cy="0"/>
+        </a:xfrm>
+      </p:grpSpPr>
+      <p:sp>
+        <p:nvSpPr>
+          <p:cNvPr id="2" name="제목 1"/>
+          <p:cNvSpPr>
+            <a:spLocks noGrp="1"/>
+          </p:cNvSpPr>
+          <p:nvPr>
+            <p:ph type="title"/>
+          </p:nvPr>
+        </p:nvSpPr>
+        <p:spPr/>
+        <p:txBody>
+          <a:bodyPr>
+            <a:normAutofit/>
+          </a:bodyPr>
+          <a:lstStyle/>
+          <a:p>
+            <a:r>
+              <a:rPr lang="en-US" altLang="ko-KR" sz="2800" dirty="0"/>
+              <a:t> </a:t>
+            </a:r>
+            <a:r>
+              <a:rPr lang="ko-KR" altLang="en-US" sz="2800" dirty="0" smtClean="0"/>
+              <a:t>네이버 </a:t>
+            </a:r>
+            <a:r>
+              <a:rPr lang="en-US" altLang="ko-KR" sz="2800" dirty="0" smtClean="0"/>
+              <a:t>API </a:t>
+            </a:r>
+            <a:r>
+              <a:rPr lang="ko-KR" altLang="en-US" sz="2800" dirty="0" smtClean="0"/>
+              <a:t>사용해보기</a:t>
+            </a:r>
+            <a:endParaRPr lang="ko-KR" altLang="en-US" sz="2800" dirty="0"/>
+          </a:p>
+        </p:txBody>
+      </p:sp>
+      <p:sp>
+        <p:nvSpPr>
+          <p:cNvPr id="4" name="슬라이드 번호 개체 틀 3"/>
+          <p:cNvSpPr>
+            <a:spLocks noGrp="1"/>
+          </p:cNvSpPr>
+          <p:nvPr>
+            <p:ph type="sldNum" sz="quarter" idx="12"/>
+          </p:nvPr>
+        </p:nvSpPr>
+        <p:spPr/>
+        <p:txBody>
+          <a:bodyPr/>
+          <a:lstStyle/>
+          <a:p>
+            <a:fld id="{1BDE3FE7-3AEA-4B05-AC5A-802D1816ACF0}" type="slidenum">
+              <a:rPr lang="ko-KR" altLang="en-US" smtClean="0"/>
+              <a:t>50</a:t>
+            </a:fld>
+            <a:endParaRPr lang="ko-KR" altLang="en-US"/>
+          </a:p>
+        </p:txBody>
+      </p:sp>
+      <p:sp>
+        <p:nvSpPr>
+          <p:cNvPr id="6" name="TextBox 5"/>
+          <p:cNvSpPr txBox="1"/>
+          <p:nvPr/>
+        </p:nvSpPr>
+        <p:spPr>
+          <a:xfrm>
+            <a:off x="1280592" y="1380308"/>
+            <a:ext cx="6336704" cy="369332"/>
+          </a:xfrm>
+          <a:prstGeom prst="rect">
+            <a:avLst/>
+          </a:prstGeom>
+          <a:noFill/>
+        </p:spPr>
+        <p:txBody>
+          <a:bodyPr wrap="square" rtlCol="0">
+            <a:spAutoFit/>
+          </a:bodyPr>
+          <a:lstStyle/>
+          <a:p>
+            <a:r>
+              <a:rPr lang="ko-KR" altLang="en-US" dirty="0" smtClean="0"/>
+              <a:t>네이버 얼굴 인식</a:t>
+            </a:r>
+            <a:r>
+              <a:rPr lang="en-US" altLang="ko-KR" dirty="0" smtClean="0"/>
+              <a:t>(CFR)</a:t>
+            </a:r>
+            <a:r>
+              <a:rPr lang="ko-KR" altLang="en-US" dirty="0" smtClean="0"/>
+              <a:t> </a:t>
+            </a:r>
+            <a:r>
+              <a:rPr lang="en-US" altLang="ko-KR" dirty="0" smtClean="0"/>
+              <a:t>&gt; </a:t>
+            </a:r>
+            <a:r>
+              <a:rPr lang="ko-KR" altLang="en-US" dirty="0" smtClean="0"/>
+              <a:t>개발 가이드 </a:t>
+            </a:r>
+            <a:r>
+              <a:rPr lang="en-US" altLang="ko-KR" dirty="0" smtClean="0"/>
+              <a:t>&gt; CFR API </a:t>
+            </a:r>
+            <a:r>
+              <a:rPr lang="ko-KR" altLang="en-US" dirty="0" smtClean="0"/>
+              <a:t>레퍼런스</a:t>
+            </a:r>
+            <a:r>
+              <a:rPr lang="en-US" altLang="ko-KR" dirty="0" smtClean="0"/>
+              <a:t> </a:t>
+            </a:r>
+            <a:endParaRPr lang="ko-KR" altLang="en-US" dirty="0"/>
+          </a:p>
+        </p:txBody>
+      </p:sp>
+      <p:pic>
+        <p:nvPicPr>
+          <p:cNvPr id="5" name="그림 4"/>
+          <p:cNvPicPr>
+            <a:picLocks noChangeAspect="1"/>
+          </p:cNvPicPr>
+          <p:nvPr/>
+        </p:nvPicPr>
+        <p:blipFill>
+          <a:blip r:embed="rId2">
+            <a:extLst>
+              <a:ext uri="{28A0092B-C50C-407E-A947-70E740481C1C}">
+                <a14:useLocalDpi xmlns:a14="http://schemas.microsoft.com/office/drawing/2010/main" val="0"/>
+              </a:ext>
+            </a:extLst>
+          </a:blip>
+          <a:stretch>
+            <a:fillRect/>
+          </a:stretch>
+        </p:blipFill>
+        <p:spPr>
+          <a:xfrm>
+            <a:off x="1343018" y="2077212"/>
+            <a:ext cx="6998955" cy="3656044"/>
+          </a:xfrm>
+          <a:prstGeom prst="rect">
+            <a:avLst/>
+          </a:prstGeom>
+          <a:ln>
+            <a:solidFill>
+              <a:schemeClr val="bg1">
+                <a:lumMod val="85000"/>
+              </a:schemeClr>
+            </a:solidFill>
+          </a:ln>
+        </p:spPr>
+      </p:pic>
+    </p:spTree>
+    <p:extLst>
+      <p:ext uri="{BB962C8B-B14F-4D97-AF65-F5344CB8AC3E}">
+        <p14:creationId xmlns:p14="http://schemas.microsoft.com/office/powerpoint/2010/main" val="1237228267"/>
+      </p:ext>
+    </p:extLst>
+  </p:cSld>
+  <p:clrMapOvr>
+    <a:masterClrMapping/>
+  </p:clrMapOvr>
+  <p:timing>
+    <p:tnLst>
+      <p:par>
+        <p:cTn id="1" dur="indefinite" restart="never" nodeType="tmRoot"/>
+      </p:par>
+    </p:tnLst>
+  </p:timing>
+</p:sld>
+</file>
+
+<file path=ppt/slides/slide51.xml><?xml version="1.0" encoding="utf-8"?>
+<p:sld xmlns:a="http://schemas.openxmlformats.org/drawingml/2006/main" xmlns:r="http://schemas.openxmlformats.org/officeDocument/2006/relationships" xmlns:p="http://schemas.openxmlformats.org/presentationml/2006/main">
+  <p:cSld>
+    <p:spTree>
+      <p:nvGrpSpPr>
+        <p:cNvPr id="1" name=""/>
+        <p:cNvGrpSpPr/>
+        <p:nvPr/>
+      </p:nvGrpSpPr>
+      <p:grpSpPr>
+        <a:xfrm>
+          <a:off x="0" y="0"/>
+          <a:ext cx="0" cy="0"/>
+          <a:chOff x="0" y="0"/>
+          <a:chExt cx="0" cy="0"/>
+        </a:xfrm>
+      </p:grpSpPr>
+      <p:sp>
+        <p:nvSpPr>
+          <p:cNvPr id="2" name="제목 1"/>
+          <p:cNvSpPr>
+            <a:spLocks noGrp="1"/>
+          </p:cNvSpPr>
+          <p:nvPr>
+            <p:ph type="title"/>
+          </p:nvPr>
+        </p:nvSpPr>
+        <p:spPr/>
+        <p:txBody>
+          <a:bodyPr>
+            <a:normAutofit/>
+          </a:bodyPr>
+          <a:lstStyle/>
+          <a:p>
+            <a:r>
+              <a:rPr lang="en-US" altLang="ko-KR" sz="2800" dirty="0"/>
+              <a:t> </a:t>
+            </a:r>
+            <a:r>
+              <a:rPr lang="ko-KR" altLang="en-US" sz="2800" dirty="0" smtClean="0"/>
+              <a:t>네이버 </a:t>
+            </a:r>
+            <a:r>
+              <a:rPr lang="en-US" altLang="ko-KR" sz="2800" dirty="0" smtClean="0"/>
+              <a:t>API </a:t>
+            </a:r>
+            <a:r>
+              <a:rPr lang="ko-KR" altLang="en-US" sz="2800" dirty="0" smtClean="0"/>
+              <a:t>사용해보기</a:t>
+            </a:r>
+            <a:endParaRPr lang="ko-KR" altLang="en-US" sz="2800" dirty="0"/>
+          </a:p>
+        </p:txBody>
+      </p:sp>
+      <p:sp>
+        <p:nvSpPr>
+          <p:cNvPr id="4" name="슬라이드 번호 개체 틀 3"/>
+          <p:cNvSpPr>
+            <a:spLocks noGrp="1"/>
+          </p:cNvSpPr>
+          <p:nvPr>
+            <p:ph type="sldNum" sz="quarter" idx="12"/>
+          </p:nvPr>
+        </p:nvSpPr>
+        <p:spPr/>
+        <p:txBody>
+          <a:bodyPr/>
+          <a:lstStyle/>
+          <a:p>
+            <a:fld id="{1BDE3FE7-3AEA-4B05-AC5A-802D1816ACF0}" type="slidenum">
+              <a:rPr lang="ko-KR" altLang="en-US" smtClean="0"/>
+              <a:t>51</a:t>
+            </a:fld>
+            <a:endParaRPr lang="ko-KR" altLang="en-US"/>
+          </a:p>
+        </p:txBody>
+      </p:sp>
+      <p:pic>
+        <p:nvPicPr>
+          <p:cNvPr id="3" name="그림 2"/>
+          <p:cNvPicPr>
+            <a:picLocks noChangeAspect="1"/>
+          </p:cNvPicPr>
+          <p:nvPr/>
+        </p:nvPicPr>
+        <p:blipFill>
+          <a:blip r:embed="rId2">
+            <a:extLst>
+              <a:ext uri="{28A0092B-C50C-407E-A947-70E740481C1C}">
+                <a14:useLocalDpi xmlns:a14="http://schemas.microsoft.com/office/drawing/2010/main" val="0"/>
+              </a:ext>
+            </a:extLst>
+          </a:blip>
+          <a:stretch>
+            <a:fillRect/>
+          </a:stretch>
+        </p:blipFill>
+        <p:spPr>
+          <a:xfrm>
+            <a:off x="2144688" y="1209287"/>
+            <a:ext cx="3834988" cy="5532081"/>
+          </a:xfrm>
+          <a:prstGeom prst="rect">
+            <a:avLst/>
+          </a:prstGeom>
+          <a:ln>
+            <a:solidFill>
+              <a:schemeClr val="bg1">
+                <a:lumMod val="85000"/>
+              </a:schemeClr>
+            </a:solidFill>
+          </a:ln>
+        </p:spPr>
+      </p:pic>
+    </p:spTree>
+    <p:extLst>
+      <p:ext uri="{BB962C8B-B14F-4D97-AF65-F5344CB8AC3E}">
+        <p14:creationId xmlns:p14="http://schemas.microsoft.com/office/powerpoint/2010/main" val="1588067419"/>
+      </p:ext>
+    </p:extLst>
+  </p:cSld>
+  <p:clrMapOvr>
+    <a:masterClrMapping/>
+  </p:clrMapOvr>
+  <p:timing>
+    <p:tnLst>
+      <p:par>
+        <p:cTn id="1" dur="indefinite" restart="never" nodeType="tmRoot"/>
+      </p:par>
+    </p:tnLst>
+  </p:timing>
+</p:sld>
+</file>
+
+<file path=ppt/slides/slide52.xml><?xml version="1.0" encoding="utf-8"?>
+<p:sld xmlns:a="http://schemas.openxmlformats.org/drawingml/2006/main" xmlns:r="http://schemas.openxmlformats.org/officeDocument/2006/relationships" xmlns:p="http://schemas.openxmlformats.org/presentationml/2006/main">
+  <p:cSld>
+    <p:spTree>
+      <p:nvGrpSpPr>
+        <p:cNvPr id="1" name=""/>
+        <p:cNvGrpSpPr/>
+        <p:nvPr/>
+      </p:nvGrpSpPr>
+      <p:grpSpPr>
+        <a:xfrm>
+          <a:off x="0" y="0"/>
+          <a:ext cx="0" cy="0"/>
+          <a:chOff x="0" y="0"/>
+          <a:chExt cx="0" cy="0"/>
+        </a:xfrm>
+      </p:grpSpPr>
+      <p:sp>
+        <p:nvSpPr>
+          <p:cNvPr id="2" name="제목 1"/>
+          <p:cNvSpPr>
+            <a:spLocks noGrp="1"/>
+          </p:cNvSpPr>
+          <p:nvPr>
+            <p:ph type="title"/>
+          </p:nvPr>
+        </p:nvSpPr>
+        <p:spPr/>
+        <p:txBody>
+          <a:bodyPr>
+            <a:normAutofit/>
+          </a:bodyPr>
+          <a:lstStyle/>
+          <a:p>
+            <a:r>
+              <a:rPr lang="en-US" altLang="ko-KR" sz="2800" dirty="0"/>
+              <a:t> </a:t>
+            </a:r>
+            <a:r>
+              <a:rPr lang="ko-KR" altLang="en-US" sz="2800" dirty="0" smtClean="0"/>
+              <a:t>네이버 </a:t>
+            </a:r>
+            <a:r>
+              <a:rPr lang="en-US" altLang="ko-KR" sz="2800" dirty="0" smtClean="0"/>
+              <a:t>API </a:t>
+            </a:r>
+            <a:r>
+              <a:rPr lang="ko-KR" altLang="en-US" sz="2800" dirty="0" smtClean="0"/>
+              <a:t>사용해보기</a:t>
+            </a:r>
+            <a:endParaRPr lang="ko-KR" altLang="en-US" sz="2800" dirty="0"/>
+          </a:p>
+        </p:txBody>
+      </p:sp>
+      <p:sp>
+        <p:nvSpPr>
+          <p:cNvPr id="4" name="슬라이드 번호 개체 틀 3"/>
+          <p:cNvSpPr>
+            <a:spLocks noGrp="1"/>
+          </p:cNvSpPr>
+          <p:nvPr>
+            <p:ph type="sldNum" sz="quarter" idx="12"/>
+          </p:nvPr>
+        </p:nvSpPr>
+        <p:spPr/>
+        <p:txBody>
+          <a:bodyPr/>
+          <a:lstStyle/>
+          <a:p>
+            <a:fld id="{1BDE3FE7-3AEA-4B05-AC5A-802D1816ACF0}" type="slidenum">
+              <a:rPr lang="ko-KR" altLang="en-US" smtClean="0"/>
+              <a:t>52</a:t>
+            </a:fld>
+            <a:endParaRPr lang="ko-KR" altLang="en-US"/>
+          </a:p>
+        </p:txBody>
+      </p:sp>
+      <p:pic>
+        <p:nvPicPr>
+          <p:cNvPr id="5" name="그림 4"/>
+          <p:cNvPicPr>
+            <a:picLocks noChangeAspect="1"/>
+          </p:cNvPicPr>
+          <p:nvPr/>
+        </p:nvPicPr>
+        <p:blipFill>
+          <a:blip r:embed="rId2">
+            <a:extLst>
+              <a:ext uri="{28A0092B-C50C-407E-A947-70E740481C1C}">
+                <a14:useLocalDpi xmlns:a14="http://schemas.microsoft.com/office/drawing/2010/main" val="0"/>
+              </a:ext>
+            </a:extLst>
+          </a:blip>
+          <a:stretch>
+            <a:fillRect/>
+          </a:stretch>
+        </p:blipFill>
+        <p:spPr>
+          <a:xfrm>
+            <a:off x="1064567" y="1556792"/>
+            <a:ext cx="7601373" cy="3816424"/>
+          </a:xfrm>
+          <a:prstGeom prst="rect">
+            <a:avLst/>
+          </a:prstGeom>
+          <a:ln>
+            <a:solidFill>
+              <a:schemeClr val="bg1">
+                <a:lumMod val="85000"/>
+              </a:schemeClr>
+            </a:solidFill>
+          </a:ln>
+        </p:spPr>
+      </p:pic>
+    </p:spTree>
+    <p:extLst>
+      <p:ext uri="{BB962C8B-B14F-4D97-AF65-F5344CB8AC3E}">
+        <p14:creationId xmlns:p14="http://schemas.microsoft.com/office/powerpoint/2010/main" val="1572582627"/>
+      </p:ext>
+    </p:extLst>
+  </p:cSld>
+  <p:clrMapOvr>
+    <a:masterClrMapping/>
+  </p:clrMapOvr>
+  <p:timing>
+    <p:tnLst>
+      <p:par>
+        <p:cTn id="1" dur="indefinite" restart="never" nodeType="tmRoot"/>
+      </p:par>
+    </p:tnLst>
+  </p:timing>
+</p:sld>
+</file>
+
+<file path=ppt/slides/slide53.xml><?xml version="1.0" encoding="utf-8"?>
+<p:sld xmlns:a="http://schemas.openxmlformats.org/drawingml/2006/main" xmlns:r="http://schemas.openxmlformats.org/officeDocument/2006/relationships" xmlns:p="http://schemas.openxmlformats.org/presentationml/2006/main">
+  <p:cSld>
+    <p:spTree>
+      <p:nvGrpSpPr>
+        <p:cNvPr id="1" name=""/>
+        <p:cNvGrpSpPr/>
+        <p:nvPr/>
+      </p:nvGrpSpPr>
+      <p:grpSpPr>
+        <a:xfrm>
+          <a:off x="0" y="0"/>
+          <a:ext cx="0" cy="0"/>
+          <a:chOff x="0" y="0"/>
+          <a:chExt cx="0" cy="0"/>
+        </a:xfrm>
+      </p:grpSpPr>
+      <p:sp>
+        <p:nvSpPr>
+          <p:cNvPr id="2" name="제목 1"/>
+          <p:cNvSpPr>
+            <a:spLocks noGrp="1"/>
+          </p:cNvSpPr>
+          <p:nvPr>
+            <p:ph type="title"/>
+          </p:nvPr>
+        </p:nvSpPr>
+        <p:spPr/>
+        <p:txBody>
+          <a:bodyPr>
+            <a:normAutofit/>
+          </a:bodyPr>
+          <a:lstStyle/>
+          <a:p>
+            <a:r>
+              <a:rPr lang="en-US" altLang="ko-KR" sz="2800" dirty="0"/>
+              <a:t> </a:t>
+            </a:r>
+            <a:r>
+              <a:rPr lang="ko-KR" altLang="en-US" sz="2800" dirty="0" smtClean="0"/>
+              <a:t>네이버 </a:t>
+            </a:r>
+            <a:r>
+              <a:rPr lang="en-US" altLang="ko-KR" sz="2800" dirty="0" smtClean="0"/>
+              <a:t>API </a:t>
+            </a:r>
+            <a:r>
+              <a:rPr lang="ko-KR" altLang="en-US" sz="2800" dirty="0" smtClean="0"/>
+              <a:t>사용해보기</a:t>
+            </a:r>
+            <a:endParaRPr lang="ko-KR" altLang="en-US" sz="2800" dirty="0"/>
+          </a:p>
+        </p:txBody>
+      </p:sp>
+      <p:sp>
+        <p:nvSpPr>
+          <p:cNvPr id="4" name="슬라이드 번호 개체 틀 3"/>
+          <p:cNvSpPr>
+            <a:spLocks noGrp="1"/>
+          </p:cNvSpPr>
+          <p:nvPr>
+            <p:ph type="sldNum" sz="quarter" idx="12"/>
+          </p:nvPr>
+        </p:nvSpPr>
+        <p:spPr/>
+        <p:txBody>
+          <a:bodyPr/>
+          <a:lstStyle/>
+          <a:p>
+            <a:fld id="{1BDE3FE7-3AEA-4B05-AC5A-802D1816ACF0}" type="slidenum">
+              <a:rPr lang="ko-KR" altLang="en-US" smtClean="0"/>
+              <a:t>53</a:t>
+            </a:fld>
+            <a:endParaRPr lang="ko-KR" altLang="en-US"/>
+          </a:p>
+        </p:txBody>
+      </p:sp>
+      <p:pic>
+        <p:nvPicPr>
+          <p:cNvPr id="3" name="그림 2"/>
+          <p:cNvPicPr>
+            <a:picLocks noChangeAspect="1"/>
+          </p:cNvPicPr>
+          <p:nvPr/>
+        </p:nvPicPr>
+        <p:blipFill>
+          <a:blip r:embed="rId2">
+            <a:extLst>
+              <a:ext uri="{28A0092B-C50C-407E-A947-70E740481C1C}">
+                <a14:useLocalDpi xmlns:a14="http://schemas.microsoft.com/office/drawing/2010/main" val="0"/>
+              </a:ext>
+            </a:extLst>
+          </a:blip>
+          <a:stretch>
+            <a:fillRect/>
+          </a:stretch>
+        </p:blipFill>
+        <p:spPr>
+          <a:xfrm>
+            <a:off x="1424608" y="1484784"/>
+            <a:ext cx="3894157" cy="3101609"/>
+          </a:xfrm>
+          <a:prstGeom prst="rect">
+            <a:avLst/>
+          </a:prstGeom>
+          <a:ln>
+            <a:solidFill>
+              <a:schemeClr val="bg1">
+                <a:lumMod val="85000"/>
+              </a:schemeClr>
+            </a:solidFill>
+          </a:ln>
+        </p:spPr>
+      </p:pic>
+    </p:spTree>
+    <p:extLst>
+      <p:ext uri="{BB962C8B-B14F-4D97-AF65-F5344CB8AC3E}">
+        <p14:creationId xmlns:p14="http://schemas.microsoft.com/office/powerpoint/2010/main" val="3227187225"/>
+      </p:ext>
+    </p:extLst>
+  </p:cSld>
+  <p:clrMapOvr>
+    <a:masterClrMapping/>
+  </p:clrMapOvr>
+  <p:timing>
+    <p:tnLst>
+      <p:par>
+        <p:cTn id="1" dur="indefinite" restart="never" nodeType="tmRoot"/>
+      </p:par>
+    </p:tnLst>
+  </p:timing>
+</p:sld>
+</file>
+
+<file path=ppt/slides/slide54.xml><?xml version="1.0" encoding="utf-8"?>
+<p:sld xmlns:a="http://schemas.openxmlformats.org/drawingml/2006/main" xmlns:r="http://schemas.openxmlformats.org/officeDocument/2006/relationships" xmlns:p="http://schemas.openxmlformats.org/presentationml/2006/main">
+  <p:cSld>
+    <p:spTree>
+      <p:nvGrpSpPr>
+        <p:cNvPr id="1" name=""/>
+        <p:cNvGrpSpPr/>
+        <p:nvPr/>
+      </p:nvGrpSpPr>
+      <p:grpSpPr>
+        <a:xfrm>
+          <a:off x="0" y="0"/>
+          <a:ext cx="0" cy="0"/>
+          <a:chOff x="0" y="0"/>
+          <a:chExt cx="0" cy="0"/>
+        </a:xfrm>
+      </p:grpSpPr>
+      <p:sp>
+        <p:nvSpPr>
+          <p:cNvPr id="2" name="제목 1"/>
+          <p:cNvSpPr>
+            <a:spLocks noGrp="1"/>
+          </p:cNvSpPr>
+          <p:nvPr>
+            <p:ph type="title"/>
+          </p:nvPr>
+        </p:nvSpPr>
+        <p:spPr/>
+        <p:txBody>
+          <a:bodyPr>
+            <a:normAutofit/>
+          </a:bodyPr>
+          <a:lstStyle/>
+          <a:p>
+            <a:r>
+              <a:rPr lang="en-US" altLang="ko-KR" sz="2800" dirty="0"/>
+              <a:t> </a:t>
+            </a:r>
+            <a:r>
+              <a:rPr lang="ko-KR" altLang="en-US" sz="2800" dirty="0" smtClean="0"/>
+              <a:t>네이버 </a:t>
+            </a:r>
+            <a:r>
+              <a:rPr lang="en-US" altLang="ko-KR" sz="2800" dirty="0" smtClean="0"/>
+              <a:t>API </a:t>
+            </a:r>
+            <a:r>
+              <a:rPr lang="ko-KR" altLang="en-US" sz="2800" dirty="0" smtClean="0"/>
+              <a:t>사용해보기</a:t>
+            </a:r>
+            <a:endParaRPr lang="ko-KR" altLang="en-US" sz="2800" dirty="0"/>
+          </a:p>
+        </p:txBody>
+      </p:sp>
+      <p:sp>
+        <p:nvSpPr>
+          <p:cNvPr id="4" name="슬라이드 번호 개체 틀 3"/>
+          <p:cNvSpPr>
+            <a:spLocks noGrp="1"/>
+          </p:cNvSpPr>
+          <p:nvPr>
+            <p:ph type="sldNum" sz="quarter" idx="12"/>
+          </p:nvPr>
+        </p:nvSpPr>
+        <p:spPr/>
+        <p:txBody>
+          <a:bodyPr/>
+          <a:lstStyle/>
+          <a:p>
+            <a:fld id="{1BDE3FE7-3AEA-4B05-AC5A-802D1816ACF0}" type="slidenum">
+              <a:rPr lang="ko-KR" altLang="en-US" smtClean="0"/>
+              <a:t>54</a:t>
+            </a:fld>
+            <a:endParaRPr lang="ko-KR" altLang="en-US"/>
+          </a:p>
+        </p:txBody>
+      </p:sp>
+      <p:pic>
+        <p:nvPicPr>
+          <p:cNvPr id="5" name="그림 4"/>
+          <p:cNvPicPr>
+            <a:picLocks noChangeAspect="1"/>
+          </p:cNvPicPr>
+          <p:nvPr/>
+        </p:nvPicPr>
+        <p:blipFill>
+          <a:blip r:embed="rId2">
+            <a:extLst>
+              <a:ext uri="{28A0092B-C50C-407E-A947-70E740481C1C}">
+                <a14:useLocalDpi xmlns:a14="http://schemas.microsoft.com/office/drawing/2010/main" val="0"/>
+              </a:ext>
+            </a:extLst>
+          </a:blip>
+          <a:stretch>
+            <a:fillRect/>
+          </a:stretch>
+        </p:blipFill>
+        <p:spPr>
+          <a:xfrm>
+            <a:off x="1208584" y="1260866"/>
+            <a:ext cx="6624736" cy="5195579"/>
+          </a:xfrm>
+          <a:prstGeom prst="rect">
+            <a:avLst/>
+          </a:prstGeom>
+          <a:ln>
+            <a:solidFill>
+              <a:schemeClr val="bg1">
+                <a:lumMod val="85000"/>
+              </a:schemeClr>
+            </a:solidFill>
+          </a:ln>
+        </p:spPr>
+      </p:pic>
+    </p:spTree>
+    <p:extLst>
+      <p:ext uri="{BB962C8B-B14F-4D97-AF65-F5344CB8AC3E}">
+        <p14:creationId xmlns:p14="http://schemas.microsoft.com/office/powerpoint/2010/main" val="2462069868"/>
+      </p:ext>
+    </p:extLst>
+  </p:cSld>
+  <p:clrMapOvr>
+    <a:masterClrMapping/>
+  </p:clrMapOvr>
+  <p:timing>
+    <p:tnLst>
+      <p:par>
+        <p:cTn id="1" dur="indefinite" restart="never" nodeType="tmRoot"/>
+      </p:par>
+    </p:tnLst>
+  </p:timing>
+</p:sld>
+</file>
+
+<file path=ppt/slides/slide55.xml><?xml version="1.0" encoding="utf-8"?>
+<p:sld xmlns:a="http://schemas.openxmlformats.org/drawingml/2006/main" xmlns:r="http://schemas.openxmlformats.org/officeDocument/2006/relationships" xmlns:p="http://schemas.openxmlformats.org/presentationml/2006/main">
+  <p:cSld>
+    <p:spTree>
+      <p:nvGrpSpPr>
+        <p:cNvPr id="1" name=""/>
+        <p:cNvGrpSpPr/>
+        <p:nvPr/>
+      </p:nvGrpSpPr>
+      <p:grpSpPr>
+        <a:xfrm>
+          <a:off x="0" y="0"/>
+          <a:ext cx="0" cy="0"/>
+          <a:chOff x="0" y="0"/>
+          <a:chExt cx="0" cy="0"/>
+        </a:xfrm>
+      </p:grpSpPr>
+      <p:sp>
+        <p:nvSpPr>
+          <p:cNvPr id="2" name="제목 1"/>
+          <p:cNvSpPr>
+            <a:spLocks noGrp="1"/>
+          </p:cNvSpPr>
+          <p:nvPr>
+            <p:ph type="title"/>
+          </p:nvPr>
+        </p:nvSpPr>
+        <p:spPr/>
+        <p:txBody>
+          <a:bodyPr>
+            <a:normAutofit/>
+          </a:bodyPr>
+          <a:lstStyle/>
+          <a:p>
+            <a:r>
+              <a:rPr lang="en-US" altLang="ko-KR" sz="2800" dirty="0"/>
+              <a:t> </a:t>
+            </a:r>
+            <a:r>
+              <a:rPr lang="ko-KR" altLang="en-US" sz="2800" dirty="0" smtClean="0"/>
+              <a:t>네이버 </a:t>
+            </a:r>
+            <a:r>
+              <a:rPr lang="en-US" altLang="ko-KR" sz="2800" dirty="0" smtClean="0"/>
+              <a:t>API </a:t>
+            </a:r>
+            <a:r>
+              <a:rPr lang="ko-KR" altLang="en-US" sz="2800" dirty="0" smtClean="0"/>
+              <a:t>사용해보기</a:t>
+            </a:r>
+            <a:endParaRPr lang="ko-KR" altLang="en-US" sz="2800" dirty="0"/>
+          </a:p>
+        </p:txBody>
+      </p:sp>
+      <p:sp>
+        <p:nvSpPr>
+          <p:cNvPr id="4" name="슬라이드 번호 개체 틀 3"/>
+          <p:cNvSpPr>
+            <a:spLocks noGrp="1"/>
+          </p:cNvSpPr>
+          <p:nvPr>
+            <p:ph type="sldNum" sz="quarter" idx="12"/>
+          </p:nvPr>
+        </p:nvSpPr>
+        <p:spPr/>
+        <p:txBody>
+          <a:bodyPr/>
+          <a:lstStyle/>
+          <a:p>
+            <a:fld id="{1BDE3FE7-3AEA-4B05-AC5A-802D1816ACF0}" type="slidenum">
+              <a:rPr lang="ko-KR" altLang="en-US" smtClean="0"/>
+              <a:t>55</a:t>
+            </a:fld>
+            <a:endParaRPr lang="ko-KR" altLang="en-US"/>
+          </a:p>
+        </p:txBody>
+      </p:sp>
+      <p:pic>
+        <p:nvPicPr>
+          <p:cNvPr id="3" name="그림 2"/>
+          <p:cNvPicPr>
+            <a:picLocks noChangeAspect="1"/>
+          </p:cNvPicPr>
+          <p:nvPr/>
+        </p:nvPicPr>
+        <p:blipFill>
+          <a:blip r:embed="rId2">
+            <a:extLst>
+              <a:ext uri="{28A0092B-C50C-407E-A947-70E740481C1C}">
+                <a14:useLocalDpi xmlns:a14="http://schemas.microsoft.com/office/drawing/2010/main" val="0"/>
+              </a:ext>
+            </a:extLst>
+          </a:blip>
+          <a:stretch>
+            <a:fillRect/>
+          </a:stretch>
+        </p:blipFill>
+        <p:spPr>
+          <a:xfrm>
+            <a:off x="1568624" y="1177612"/>
+            <a:ext cx="5260652" cy="5464881"/>
+          </a:xfrm>
+          <a:prstGeom prst="rect">
+            <a:avLst/>
+          </a:prstGeom>
+          <a:ln>
+            <a:solidFill>
+              <a:schemeClr val="bg1">
+                <a:lumMod val="85000"/>
+              </a:schemeClr>
+            </a:solidFill>
+          </a:ln>
+        </p:spPr>
+      </p:pic>
+    </p:spTree>
+    <p:extLst>
+      <p:ext uri="{BB962C8B-B14F-4D97-AF65-F5344CB8AC3E}">
+        <p14:creationId xmlns:p14="http://schemas.microsoft.com/office/powerpoint/2010/main" val="3829317872"/>
+      </p:ext>
+    </p:extLst>
+  </p:cSld>
+  <p:clrMapOvr>
+    <a:masterClrMapping/>
+  </p:clrMapOvr>
+  <p:timing>
+    <p:tnLst>
+      <p:par>
+        <p:cTn id="1" dur="indefinite" restart="never" nodeType="tmRoot"/>
+      </p:par>
+    </p:tnLst>
+  </p:timing>
+</p:sld>
+</file>
+
+<file path=ppt/slides/slide56.xml><?xml version="1.0" encoding="utf-8"?>
+<p:sld xmlns:a="http://schemas.openxmlformats.org/drawingml/2006/main" xmlns:r="http://schemas.openxmlformats.org/officeDocument/2006/relationships" xmlns:p="http://schemas.openxmlformats.org/presentationml/2006/main">
+  <p:cSld>
+    <p:spTree>
+      <p:nvGrpSpPr>
+        <p:cNvPr id="1" name=""/>
+        <p:cNvGrpSpPr/>
+        <p:nvPr/>
+      </p:nvGrpSpPr>
+      <p:grpSpPr>
+        <a:xfrm>
+          <a:off x="0" y="0"/>
+          <a:ext cx="0" cy="0"/>
+          <a:chOff x="0" y="0"/>
+          <a:chExt cx="0" cy="0"/>
+        </a:xfrm>
+      </p:grpSpPr>
+      <p:sp>
+        <p:nvSpPr>
+          <p:cNvPr id="2" name="제목 1"/>
+          <p:cNvSpPr>
+            <a:spLocks noGrp="1"/>
+          </p:cNvSpPr>
+          <p:nvPr>
+            <p:ph type="title"/>
+          </p:nvPr>
+        </p:nvSpPr>
+        <p:spPr/>
+        <p:txBody>
+          <a:bodyPr>
+            <a:normAutofit/>
+          </a:bodyPr>
+          <a:lstStyle/>
+          <a:p>
+            <a:r>
+              <a:rPr lang="en-US" altLang="ko-KR" sz="2800" dirty="0"/>
+              <a:t> </a:t>
+            </a:r>
+            <a:r>
+              <a:rPr lang="ko-KR" altLang="en-US" sz="2800" dirty="0" smtClean="0"/>
+              <a:t>네이버 </a:t>
+            </a:r>
+            <a:r>
+              <a:rPr lang="en-US" altLang="ko-KR" sz="2800" dirty="0" smtClean="0"/>
+              <a:t>API </a:t>
+            </a:r>
+            <a:r>
+              <a:rPr lang="ko-KR" altLang="en-US" sz="2800" dirty="0" smtClean="0"/>
+              <a:t>사용해보기</a:t>
+            </a:r>
+            <a:endParaRPr lang="ko-KR" altLang="en-US" sz="2800" dirty="0"/>
+          </a:p>
+        </p:txBody>
+      </p:sp>
+      <p:sp>
+        <p:nvSpPr>
+          <p:cNvPr id="4" name="슬라이드 번호 개체 틀 3"/>
+          <p:cNvSpPr>
+            <a:spLocks noGrp="1"/>
+          </p:cNvSpPr>
+          <p:nvPr>
+            <p:ph type="sldNum" sz="quarter" idx="12"/>
+          </p:nvPr>
+        </p:nvSpPr>
+        <p:spPr/>
+        <p:txBody>
+          <a:bodyPr/>
+          <a:lstStyle/>
+          <a:p>
+            <a:fld id="{1BDE3FE7-3AEA-4B05-AC5A-802D1816ACF0}" type="slidenum">
+              <a:rPr lang="ko-KR" altLang="en-US" smtClean="0"/>
+              <a:t>56</a:t>
+            </a:fld>
+            <a:endParaRPr lang="ko-KR" altLang="en-US"/>
+          </a:p>
+        </p:txBody>
+      </p:sp>
+      <p:pic>
+        <p:nvPicPr>
+          <p:cNvPr id="5" name="그림 4"/>
+          <p:cNvPicPr>
+            <a:picLocks noChangeAspect="1"/>
+          </p:cNvPicPr>
+          <p:nvPr/>
+        </p:nvPicPr>
+        <p:blipFill>
+          <a:blip r:embed="rId2">
+            <a:extLst>
+              <a:ext uri="{28A0092B-C50C-407E-A947-70E740481C1C}">
+                <a14:useLocalDpi xmlns:a14="http://schemas.microsoft.com/office/drawing/2010/main" val="0"/>
+              </a:ext>
+            </a:extLst>
+          </a:blip>
+          <a:stretch>
+            <a:fillRect/>
+          </a:stretch>
+        </p:blipFill>
+        <p:spPr>
+          <a:xfrm>
+            <a:off x="848544" y="1772816"/>
+            <a:ext cx="8093141" cy="2560542"/>
+          </a:xfrm>
+          <a:prstGeom prst="rect">
+            <a:avLst/>
+          </a:prstGeom>
+          <a:ln>
+            <a:solidFill>
+              <a:schemeClr val="bg1">
+                <a:lumMod val="85000"/>
+              </a:schemeClr>
+            </a:solidFill>
+          </a:ln>
+        </p:spPr>
+      </p:pic>
+    </p:spTree>
+    <p:extLst>
+      <p:ext uri="{BB962C8B-B14F-4D97-AF65-F5344CB8AC3E}">
+        <p14:creationId xmlns:p14="http://schemas.microsoft.com/office/powerpoint/2010/main" val="1094659365"/>
+      </p:ext>
+    </p:extLst>
+  </p:cSld>
+  <p:clrMapOvr>
+    <a:masterClrMapping/>
+  </p:clrMapOvr>
+  <p:timing>
+    <p:tnLst>
+      <p:par>
+        <p:cTn id="1" dur="indefinite" restart="never" nodeType="tmRoot"/>
+      </p:par>
+    </p:tnLst>
+  </p:timing>
+</p:sld>
+</file>
+
+<file path=ppt/slides/slide57.xml><?xml version="1.0" encoding="utf-8"?>
+<p:sld xmlns:a="http://schemas.openxmlformats.org/drawingml/2006/main" xmlns:r="http://schemas.openxmlformats.org/officeDocument/2006/relationships" xmlns:p="http://schemas.openxmlformats.org/presentationml/2006/main">
+  <p:cSld>
+    <p:spTree>
+      <p:nvGrpSpPr>
+        <p:cNvPr id="1" name=""/>
+        <p:cNvGrpSpPr/>
+        <p:nvPr/>
+      </p:nvGrpSpPr>
+      <p:grpSpPr>
+        <a:xfrm>
+          <a:off x="0" y="0"/>
+          <a:ext cx="0" cy="0"/>
+          <a:chOff x="0" y="0"/>
+          <a:chExt cx="0" cy="0"/>
+        </a:xfrm>
+      </p:grpSpPr>
+      <p:sp>
+        <p:nvSpPr>
+          <p:cNvPr id="2" name="제목 1"/>
+          <p:cNvSpPr>
+            <a:spLocks noGrp="1"/>
+          </p:cNvSpPr>
+          <p:nvPr>
+            <p:ph type="title"/>
+          </p:nvPr>
+        </p:nvSpPr>
+        <p:spPr/>
+        <p:txBody>
+          <a:bodyPr>
+            <a:normAutofit/>
+          </a:bodyPr>
+          <a:lstStyle/>
+          <a:p>
+            <a:r>
+              <a:rPr lang="en-US" altLang="ko-KR" sz="2800" dirty="0"/>
+              <a:t> </a:t>
+            </a:r>
+            <a:r>
+              <a:rPr lang="ko-KR" altLang="en-US" sz="2800" dirty="0" smtClean="0"/>
+              <a:t>네이버 </a:t>
+            </a:r>
+            <a:r>
+              <a:rPr lang="en-US" altLang="ko-KR" sz="2800" dirty="0" smtClean="0"/>
+              <a:t>API </a:t>
+            </a:r>
+            <a:r>
+              <a:rPr lang="ko-KR" altLang="en-US" sz="2800" dirty="0" smtClean="0"/>
+              <a:t>사용해보기</a:t>
+            </a:r>
+            <a:endParaRPr lang="ko-KR" altLang="en-US" sz="2800" dirty="0"/>
+          </a:p>
+        </p:txBody>
+      </p:sp>
+      <p:sp>
+        <p:nvSpPr>
+          <p:cNvPr id="4" name="슬라이드 번호 개체 틀 3"/>
+          <p:cNvSpPr>
+            <a:spLocks noGrp="1"/>
+          </p:cNvSpPr>
+          <p:nvPr>
+            <p:ph type="sldNum" sz="quarter" idx="12"/>
+          </p:nvPr>
+        </p:nvSpPr>
+        <p:spPr/>
+        <p:txBody>
+          <a:bodyPr/>
+          <a:lstStyle/>
+          <a:p>
+            <a:fld id="{1BDE3FE7-3AEA-4B05-AC5A-802D1816ACF0}" type="slidenum">
+              <a:rPr lang="ko-KR" altLang="en-US" smtClean="0"/>
+              <a:t>57</a:t>
+            </a:fld>
+            <a:endParaRPr lang="ko-KR" altLang="en-US"/>
+          </a:p>
+        </p:txBody>
+      </p:sp>
+      <p:pic>
+        <p:nvPicPr>
+          <p:cNvPr id="3" name="그림 2"/>
+          <p:cNvPicPr>
+            <a:picLocks noChangeAspect="1"/>
+          </p:cNvPicPr>
+          <p:nvPr/>
+        </p:nvPicPr>
+        <p:blipFill>
+          <a:blip r:embed="rId2">
+            <a:extLst>
+              <a:ext uri="{28A0092B-C50C-407E-A947-70E740481C1C}">
+                <a14:useLocalDpi xmlns:a14="http://schemas.microsoft.com/office/drawing/2010/main" val="0"/>
+              </a:ext>
+            </a:extLst>
+          </a:blip>
+          <a:stretch>
+            <a:fillRect/>
+          </a:stretch>
+        </p:blipFill>
+        <p:spPr>
+          <a:xfrm>
+            <a:off x="1280592" y="1340768"/>
+            <a:ext cx="6782388" cy="4229467"/>
+          </a:xfrm>
+          <a:prstGeom prst="rect">
+            <a:avLst/>
+          </a:prstGeom>
+          <a:ln>
+            <a:solidFill>
+              <a:schemeClr val="bg1">
+                <a:lumMod val="85000"/>
+              </a:schemeClr>
+            </a:solidFill>
+          </a:ln>
+        </p:spPr>
+      </p:pic>
+    </p:spTree>
+    <p:extLst>
+      <p:ext uri="{BB962C8B-B14F-4D97-AF65-F5344CB8AC3E}">
+        <p14:creationId xmlns:p14="http://schemas.microsoft.com/office/powerpoint/2010/main" val="3264913349"/>
+      </p:ext>
+    </p:extLst>
+  </p:cSld>
+  <p:clrMapOvr>
+    <a:masterClrMapping/>
+  </p:clrMapOvr>
+  <p:timing>
+    <p:tnLst>
+      <p:par>
+        <p:cTn id="1" dur="indefinite" restart="never" nodeType="tmRoot"/>
+      </p:par>
+    </p:tnLst>
+  </p:timing>
+</p:sld>
+</file>
+
+<file path=ppt/slides/slide58.xml><?xml version="1.0" encoding="utf-8"?>
+<p:sld xmlns:a="http://schemas.openxmlformats.org/drawingml/2006/main" xmlns:r="http://schemas.openxmlformats.org/officeDocument/2006/relationships" xmlns:p="http://schemas.openxmlformats.org/presentationml/2006/main">
+  <p:cSld>
+    <p:spTree>
+      <p:nvGrpSpPr>
+        <p:cNvPr id="1" name=""/>
+        <p:cNvGrpSpPr/>
+        <p:nvPr/>
+      </p:nvGrpSpPr>
+      <p:grpSpPr>
+        <a:xfrm>
+          <a:off x="0" y="0"/>
+          <a:ext cx="0" cy="0"/>
+          <a:chOff x="0" y="0"/>
+          <a:chExt cx="0" cy="0"/>
+        </a:xfrm>
+      </p:grpSpPr>
+      <p:sp>
+        <p:nvSpPr>
+          <p:cNvPr id="2" name="제목 1"/>
+          <p:cNvSpPr>
+            <a:spLocks noGrp="1"/>
+          </p:cNvSpPr>
+          <p:nvPr>
+            <p:ph type="title"/>
+          </p:nvPr>
+        </p:nvSpPr>
+        <p:spPr/>
+        <p:txBody>
+          <a:bodyPr>
+            <a:normAutofit/>
+          </a:bodyPr>
+          <a:lstStyle/>
+          <a:p>
+            <a:r>
+              <a:rPr lang="en-US" altLang="ko-KR" sz="2800" dirty="0"/>
+              <a:t> </a:t>
+            </a:r>
+            <a:r>
+              <a:rPr lang="ko-KR" altLang="en-US" sz="2800" dirty="0" smtClean="0"/>
+              <a:t>네이버 </a:t>
+            </a:r>
+            <a:r>
+              <a:rPr lang="en-US" altLang="ko-KR" sz="2800" dirty="0" smtClean="0"/>
+              <a:t>API </a:t>
+            </a:r>
+            <a:r>
+              <a:rPr lang="ko-KR" altLang="en-US" sz="2800" dirty="0" smtClean="0"/>
+              <a:t>사용해보기</a:t>
+            </a:r>
+            <a:endParaRPr lang="ko-KR" altLang="en-US" sz="2800" dirty="0"/>
+          </a:p>
+        </p:txBody>
+      </p:sp>
+      <p:sp>
+        <p:nvSpPr>
+          <p:cNvPr id="4" name="슬라이드 번호 개체 틀 3"/>
+          <p:cNvSpPr>
+            <a:spLocks noGrp="1"/>
+          </p:cNvSpPr>
+          <p:nvPr>
+            <p:ph type="sldNum" sz="quarter" idx="12"/>
+          </p:nvPr>
+        </p:nvSpPr>
+        <p:spPr/>
+        <p:txBody>
+          <a:bodyPr/>
+          <a:lstStyle/>
+          <a:p>
+            <a:fld id="{1BDE3FE7-3AEA-4B05-AC5A-802D1816ACF0}" type="slidenum">
+              <a:rPr lang="ko-KR" altLang="en-US" smtClean="0"/>
+              <a:t>58</a:t>
+            </a:fld>
+            <a:endParaRPr lang="ko-KR" altLang="en-US"/>
+          </a:p>
+        </p:txBody>
+      </p:sp>
+      <p:pic>
+        <p:nvPicPr>
+          <p:cNvPr id="5" name="그림 4"/>
+          <p:cNvPicPr>
+            <a:picLocks noChangeAspect="1"/>
+          </p:cNvPicPr>
+          <p:nvPr/>
+        </p:nvPicPr>
+        <p:blipFill>
+          <a:blip r:embed="rId2">
+            <a:extLst>
+              <a:ext uri="{28A0092B-C50C-407E-A947-70E740481C1C}">
+                <a14:useLocalDpi xmlns:a14="http://schemas.microsoft.com/office/drawing/2010/main" val="0"/>
+              </a:ext>
+            </a:extLst>
+          </a:blip>
+          <a:stretch>
+            <a:fillRect/>
+          </a:stretch>
+        </p:blipFill>
+        <p:spPr>
+          <a:xfrm>
+            <a:off x="2360712" y="1412776"/>
+            <a:ext cx="3696020" cy="4473328"/>
+          </a:xfrm>
+          <a:prstGeom prst="rect">
+            <a:avLst/>
+          </a:prstGeom>
+        </p:spPr>
+      </p:pic>
+    </p:spTree>
+    <p:extLst>
+      <p:ext uri="{BB962C8B-B14F-4D97-AF65-F5344CB8AC3E}">
+        <p14:creationId xmlns:p14="http://schemas.microsoft.com/office/powerpoint/2010/main" val="462414654"/>
       </p:ext>
     </p:extLst>
   </p:cSld>
